--- a/PPT内容-20240103.pptx
+++ b/PPT内容-20240103.pptx
@@ -5,7 +5,7 @@
     <p:sldMasterId id="2147483648" r:id="rId1"/>
   </p:sldMasterIdLst>
   <p:notesMasterIdLst>
-    <p:notesMasterId r:id="rId36"/>
+    <p:notesMasterId r:id="rId38"/>
   </p:notesMasterIdLst>
   <p:sldIdLst>
     <p:sldId id="422" r:id="rId2"/>
@@ -33,20 +33,22 @@
     <p:sldId id="456" r:id="rId24"/>
     <p:sldId id="458" r:id="rId25"/>
     <p:sldId id="467" r:id="rId26"/>
-    <p:sldId id="432" r:id="rId27"/>
-    <p:sldId id="463" r:id="rId28"/>
-    <p:sldId id="434" r:id="rId29"/>
-    <p:sldId id="464" r:id="rId30"/>
-    <p:sldId id="465" r:id="rId31"/>
-    <p:sldId id="435" r:id="rId32"/>
-    <p:sldId id="439" r:id="rId33"/>
-    <p:sldId id="436" r:id="rId34"/>
-    <p:sldId id="357" r:id="rId35"/>
+    <p:sldId id="469" r:id="rId27"/>
+    <p:sldId id="468" r:id="rId28"/>
+    <p:sldId id="432" r:id="rId29"/>
+    <p:sldId id="463" r:id="rId30"/>
+    <p:sldId id="434" r:id="rId31"/>
+    <p:sldId id="464" r:id="rId32"/>
+    <p:sldId id="465" r:id="rId33"/>
+    <p:sldId id="435" r:id="rId34"/>
+    <p:sldId id="439" r:id="rId35"/>
+    <p:sldId id="436" r:id="rId36"/>
+    <p:sldId id="357" r:id="rId37"/>
   </p:sldIdLst>
   <p:sldSz cx="9144000" cy="6858000" type="screen4x3"/>
   <p:notesSz cx="6858000" cy="9144000"/>
   <p:custDataLst>
-    <p:tags r:id="rId37"/>
+    <p:tags r:id="rId39"/>
   </p:custDataLst>
   <p:defaultTextStyle>
     <a:defPPr>
@@ -1649,22 +1651,7 @@
           <a:bodyPr/>
           <a:lstStyle/>
           <a:p>
-            <a:r>
-              <a:rPr lang="en-US" altLang="zh-CN" dirty="0"/>
-              <a:t>[1]</a:t>
-            </a:r>
-            <a:r>
-              <a:rPr lang="zh-CN" altLang="en-US" dirty="0"/>
-              <a:t>见</a:t>
-            </a:r>
-            <a:r>
-              <a:rPr lang="en-US" altLang="zh-CN" dirty="0"/>
-              <a:t>20</a:t>
-            </a:r>
-            <a:r>
-              <a:rPr lang="zh-CN" altLang="en-US" dirty="0"/>
-              <a:t>页</a:t>
-            </a:r>
+            <a:endParaRPr lang="zh-CN" altLang="en-US" dirty="0"/>
           </a:p>
         </p:txBody>
       </p:sp>
@@ -2067,53 +2054,6 @@
           <a:bodyPr/>
           <a:lstStyle/>
           <a:p>
-            <a:pPr marL="0" marR="0" lvl="0" indent="0" algn="l" defTabSz="914400" rtl="0" eaLnBrk="1" fontAlgn="auto" latinLnBrk="0" hangingPunct="1">
-              <a:lnSpc>
-                <a:spcPct val="100000"/>
-              </a:lnSpc>
-              <a:spcBef>
-                <a:spcPts val="0"/>
-              </a:spcBef>
-              <a:spcAft>
-                <a:spcPts val="0"/>
-              </a:spcAft>
-              <a:buClrTx/>
-              <a:buSzTx/>
-              <a:buFontTx/>
-              <a:buNone/>
-              <a:tabLst/>
-              <a:defRPr/>
-            </a:pPr>
-            <a:r>
-              <a:rPr lang="en-US" altLang="zh-CN" dirty="0"/>
-              <a:t>[1]</a:t>
-            </a:r>
-            <a:r>
-              <a:rPr lang="zh-CN" altLang="en-US" dirty="0"/>
-              <a:t>这个案例是在第一个案例</a:t>
-            </a:r>
-            <a:r>
-              <a:rPr lang="en-US" altLang="zh-CN" dirty="0" err="1"/>
-              <a:t>TodoList</a:t>
-            </a:r>
-            <a:r>
-              <a:rPr lang="zh-CN" altLang="en-US" dirty="0"/>
-              <a:t>的基础上进行的，对</a:t>
-            </a:r>
-            <a:r>
-              <a:rPr lang="en-US" altLang="zh-CN" dirty="0" err="1"/>
-              <a:t>TodoList</a:t>
-            </a:r>
-            <a:r>
-              <a:rPr lang="zh-CN" altLang="en-US" dirty="0"/>
-              <a:t>案例模拟进行了组件拆分，以及演练组件间如何通信和复用。点击每一个列表模拟跳转详情的</a:t>
-            </a:r>
-            <a:r>
-              <a:rPr lang="en-US" altLang="zh-CN" dirty="0"/>
-              <a:t>demo</a:t>
-            </a:r>
-          </a:p>
-          <a:p>
             <a:endParaRPr lang="zh-CN" altLang="en-US" dirty="0"/>
           </a:p>
         </p:txBody>
@@ -2144,7 +2084,7 @@
     </p:spTree>
     <p:extLst>
       <p:ext uri="{BB962C8B-B14F-4D97-AF65-F5344CB8AC3E}">
-        <p14:creationId xmlns:p14="http://schemas.microsoft.com/office/powerpoint/2010/main" val="2551145485"/>
+        <p14:creationId xmlns:p14="http://schemas.microsoft.com/office/powerpoint/2010/main" val="3396497386"/>
       </p:ext>
     </p:extLst>
   </p:cSld>
@@ -2198,132 +2138,6 @@
           <a:bodyPr/>
           <a:lstStyle/>
           <a:p>
-            <a:pPr marL="0" marR="0" lvl="0" indent="0" algn="l" defTabSz="914400" rtl="0" eaLnBrk="1" fontAlgn="auto" latinLnBrk="0" hangingPunct="1">
-              <a:lnSpc>
-                <a:spcPct val="100000"/>
-              </a:lnSpc>
-              <a:spcBef>
-                <a:spcPts val="0"/>
-              </a:spcBef>
-              <a:spcAft>
-                <a:spcPts val="0"/>
-              </a:spcAft>
-              <a:buClrTx/>
-              <a:buSzTx/>
-              <a:buFontTx/>
-              <a:buNone/>
-              <a:tabLst/>
-              <a:defRPr/>
-            </a:pPr>
-            <a:endParaRPr lang="en-US" altLang="zh-CN" dirty="0"/>
-          </a:p>
-          <a:p>
-            <a:pPr marL="0" marR="0" lvl="0" indent="0" algn="l" defTabSz="914400" rtl="0" eaLnBrk="1" fontAlgn="auto" latinLnBrk="0" hangingPunct="1">
-              <a:lnSpc>
-                <a:spcPct val="100000"/>
-              </a:lnSpc>
-              <a:spcBef>
-                <a:spcPts val="0"/>
-              </a:spcBef>
-              <a:spcAft>
-                <a:spcPts val="0"/>
-              </a:spcAft>
-              <a:buClrTx/>
-              <a:buSzTx/>
-              <a:buFontTx/>
-              <a:buNone/>
-              <a:tabLst/>
-              <a:defRPr/>
-            </a:pPr>
-            <a:r>
-              <a:rPr lang="en-US" altLang="zh-CN" b="0" dirty="0">
-                <a:solidFill>
-                  <a:srgbClr val="6A9955"/>
-                </a:solidFill>
-                <a:effectLst/>
-                <a:latin typeface="Consolas" panose="020B0609020204030204" pitchFamily="49" charset="0"/>
-              </a:rPr>
-              <a:t>[2]</a:t>
-            </a:r>
-            <a:r>
-              <a:rPr lang="zh-CN" altLang="en-US" b="0" dirty="0">
-                <a:solidFill>
-                  <a:srgbClr val="6A9955"/>
-                </a:solidFill>
-                <a:effectLst/>
-                <a:latin typeface="Consolas" panose="020B0609020204030204" pitchFamily="49" charset="0"/>
-              </a:rPr>
-              <a:t>通过这个案例，我们对组件化开发、组件通信方式等知识进行了练习。那其实</a:t>
-            </a:r>
-            <a:r>
-              <a:rPr lang="en-US" altLang="zh-CN" b="0" dirty="0">
-                <a:solidFill>
-                  <a:srgbClr val="6A9955"/>
-                </a:solidFill>
-                <a:effectLst/>
-                <a:latin typeface="Consolas" panose="020B0609020204030204" pitchFamily="49" charset="0"/>
-              </a:rPr>
-              <a:t>react</a:t>
-            </a:r>
-            <a:r>
-              <a:rPr lang="zh-CN" altLang="en-US" b="0" dirty="0">
-                <a:solidFill>
-                  <a:srgbClr val="6A9955"/>
-                </a:solidFill>
-                <a:effectLst/>
-                <a:latin typeface="Consolas" panose="020B0609020204030204" pitchFamily="49" charset="0"/>
-              </a:rPr>
-              <a:t>也有对应的</a:t>
-            </a:r>
-            <a:r>
-              <a:rPr lang="en-US" altLang="zh-CN" b="0" dirty="0" err="1">
-                <a:solidFill>
-                  <a:srgbClr val="6A9955"/>
-                </a:solidFill>
-                <a:effectLst/>
-                <a:latin typeface="Consolas" panose="020B0609020204030204" pitchFamily="49" charset="0"/>
-              </a:rPr>
-              <a:t>ui</a:t>
-            </a:r>
-            <a:r>
-              <a:rPr lang="zh-CN" altLang="en-US" b="0" dirty="0">
-                <a:solidFill>
-                  <a:srgbClr val="6A9955"/>
-                </a:solidFill>
-                <a:effectLst/>
-                <a:latin typeface="Consolas" panose="020B0609020204030204" pitchFamily="49" charset="0"/>
-              </a:rPr>
-              <a:t>库</a:t>
-            </a:r>
-            <a:r>
-              <a:rPr lang="en-US" altLang="zh-CN" b="0" dirty="0" err="1">
-                <a:solidFill>
-                  <a:srgbClr val="6A9955"/>
-                </a:solidFill>
-                <a:effectLst/>
-                <a:latin typeface="Consolas" panose="020B0609020204030204" pitchFamily="49" charset="0"/>
-              </a:rPr>
-              <a:t>Antd</a:t>
-            </a:r>
-            <a:r>
-              <a:rPr lang="zh-CN" altLang="en-US" b="0" dirty="0">
-                <a:solidFill>
-                  <a:srgbClr val="6A9955"/>
-                </a:solidFill>
-                <a:effectLst/>
-                <a:latin typeface="Consolas" panose="020B0609020204030204" pitchFamily="49" charset="0"/>
-              </a:rPr>
-              <a:t>，下面来看看</a:t>
-            </a:r>
-            <a:endParaRPr lang="zh-CN" altLang="en-US" b="0" dirty="0">
-              <a:solidFill>
-                <a:srgbClr val="CCCCCC"/>
-              </a:solidFill>
-              <a:effectLst/>
-              <a:latin typeface="Consolas" panose="020B0609020204030204" pitchFamily="49" charset="0"/>
-            </a:endParaRPr>
-          </a:p>
-          <a:p>
             <a:endParaRPr lang="zh-CN" altLang="en-US" dirty="0"/>
           </a:p>
         </p:txBody>
@@ -2354,7 +2168,7 @@
     </p:spTree>
     <p:extLst>
       <p:ext uri="{BB962C8B-B14F-4D97-AF65-F5344CB8AC3E}">
-        <p14:creationId xmlns:p14="http://schemas.microsoft.com/office/powerpoint/2010/main" val="2247963627"/>
+        <p14:creationId xmlns:p14="http://schemas.microsoft.com/office/powerpoint/2010/main" val="4091214073"/>
       </p:ext>
     </p:extLst>
   </p:cSld>
@@ -2425,7 +2239,31 @@
               <a:tabLst/>
               <a:defRPr/>
             </a:pPr>
-            <a:endParaRPr lang="zh-CN" altLang="en-US" dirty="0"/>
+            <a:r>
+              <a:rPr lang="en-US" altLang="zh-CN" dirty="0"/>
+              <a:t>[1]</a:t>
+            </a:r>
+            <a:r>
+              <a:rPr lang="zh-CN" altLang="en-US" dirty="0"/>
+              <a:t>这个案例是在第一个案例</a:t>
+            </a:r>
+            <a:r>
+              <a:rPr lang="en-US" altLang="zh-CN" dirty="0" err="1"/>
+              <a:t>TodoList</a:t>
+            </a:r>
+            <a:r>
+              <a:rPr lang="zh-CN" altLang="en-US" dirty="0"/>
+              <a:t>的基础上进行的，对</a:t>
+            </a:r>
+            <a:r>
+              <a:rPr lang="en-US" altLang="zh-CN" dirty="0" err="1"/>
+              <a:t>TodoList</a:t>
+            </a:r>
+            <a:r>
+              <a:rPr lang="zh-CN" altLang="en-US" dirty="0"/>
+              <a:t>案例模拟进行了组件拆分，以及演练组件间如何通信和复用，还有模拟点击每一个列表跳转详情。</a:t>
+            </a:r>
+            <a:endParaRPr lang="en-US" altLang="zh-CN" dirty="0"/>
           </a:p>
         </p:txBody>
       </p:sp>
@@ -2446,7 +2284,7 @@
           <a:p>
             <a:fld id="{F9E1B693-632D-4080-9CF6-EA28B66DC801}" type="slidenum">
               <a:rPr lang="zh-CN" altLang="en-US" smtClean="0"/>
-              <a:t>29</a:t>
+              <a:t>28</a:t>
             </a:fld>
             <a:endParaRPr lang="zh-CN" altLang="en-US"/>
           </a:p>
@@ -2455,7 +2293,7 @@
     </p:spTree>
     <p:extLst>
       <p:ext uri="{BB962C8B-B14F-4D97-AF65-F5344CB8AC3E}">
-        <p14:creationId xmlns:p14="http://schemas.microsoft.com/office/powerpoint/2010/main" val="932352610"/>
+        <p14:creationId xmlns:p14="http://schemas.microsoft.com/office/powerpoint/2010/main" val="2551145485"/>
       </p:ext>
     </p:extLst>
   </p:cSld>
@@ -2526,54 +2364,116 @@
               <a:tabLst/>
               <a:defRPr/>
             </a:pPr>
-            <a:r>
-              <a:rPr lang="en-US" altLang="zh-CN" dirty="0"/>
-              <a:t>[1]</a:t>
-            </a:r>
-            <a:r>
-              <a:rPr lang="zh-CN" altLang="en-US" dirty="0"/>
-              <a:t>这个案例是在</a:t>
-            </a:r>
-            <a:r>
-              <a:rPr lang="en-US" altLang="zh-CN" dirty="0"/>
-              <a:t>TodoList2</a:t>
-            </a:r>
-            <a:r>
-              <a:rPr lang="zh-CN" altLang="en-US" dirty="0"/>
-              <a:t>的基础上，使用</a:t>
-            </a:r>
-            <a:r>
-              <a:rPr lang="en-US" altLang="zh-CN" dirty="0" err="1"/>
+            <a:endParaRPr lang="en-US" altLang="zh-CN" dirty="0"/>
+          </a:p>
+          <a:p>
+            <a:pPr marL="0" marR="0" lvl="0" indent="0" algn="l" defTabSz="914400" rtl="0" eaLnBrk="1" fontAlgn="auto" latinLnBrk="0" hangingPunct="1">
+              <a:lnSpc>
+                <a:spcPct val="100000"/>
+              </a:lnSpc>
+              <a:spcBef>
+                <a:spcPts val="0"/>
+              </a:spcBef>
+              <a:spcAft>
+                <a:spcPts val="0"/>
+              </a:spcAft>
+              <a:buClrTx/>
+              <a:buSzTx/>
+              <a:buFontTx/>
+              <a:buNone/>
+              <a:tabLst/>
+              <a:defRPr/>
+            </a:pPr>
+            <a:r>
+              <a:rPr lang="en-US" altLang="zh-CN" b="0" dirty="0">
+                <a:solidFill>
+                  <a:srgbClr val="6A9955"/>
+                </a:solidFill>
+                <a:effectLst/>
+                <a:latin typeface="Consolas" panose="020B0609020204030204" pitchFamily="49" charset="0"/>
+              </a:rPr>
+              <a:t>[2]</a:t>
+            </a:r>
+            <a:r>
+              <a:rPr lang="zh-CN" altLang="en-US" b="0" dirty="0">
+                <a:solidFill>
+                  <a:srgbClr val="6A9955"/>
+                </a:solidFill>
+                <a:effectLst/>
+                <a:latin typeface="Consolas" panose="020B0609020204030204" pitchFamily="49" charset="0"/>
+              </a:rPr>
+              <a:t>通过这个案例，我们对组件化开发、组件通信方式、路由跳转等知识进行了练习。那其实</a:t>
+            </a:r>
+            <a:r>
+              <a:rPr lang="en-US" altLang="zh-CN" b="0" dirty="0">
+                <a:solidFill>
+                  <a:srgbClr val="6A9955"/>
+                </a:solidFill>
+                <a:effectLst/>
+                <a:latin typeface="Consolas" panose="020B0609020204030204" pitchFamily="49" charset="0"/>
+              </a:rPr>
+              <a:t>react</a:t>
+            </a:r>
+            <a:r>
+              <a:rPr lang="zh-CN" altLang="en-US" b="0" dirty="0">
+                <a:solidFill>
+                  <a:srgbClr val="6A9955"/>
+                </a:solidFill>
+                <a:effectLst/>
+                <a:latin typeface="Consolas" panose="020B0609020204030204" pitchFamily="49" charset="0"/>
+              </a:rPr>
+              <a:t>也有对应的</a:t>
+            </a:r>
+            <a:r>
+              <a:rPr lang="en-US" altLang="zh-CN" b="0" dirty="0" err="1">
+                <a:solidFill>
+                  <a:srgbClr val="6A9955"/>
+                </a:solidFill>
+                <a:effectLst/>
+                <a:latin typeface="Consolas" panose="020B0609020204030204" pitchFamily="49" charset="0"/>
+              </a:rPr>
+              <a:t>ui</a:t>
+            </a:r>
+            <a:r>
+              <a:rPr lang="zh-CN" altLang="en-US" b="0" dirty="0">
+                <a:solidFill>
+                  <a:srgbClr val="6A9955"/>
+                </a:solidFill>
+                <a:effectLst/>
+                <a:latin typeface="Consolas" panose="020B0609020204030204" pitchFamily="49" charset="0"/>
+              </a:rPr>
+              <a:t>库</a:t>
+            </a:r>
+            <a:r>
+              <a:rPr lang="en-US" altLang="zh-CN" b="0" dirty="0" err="1">
+                <a:solidFill>
+                  <a:srgbClr val="6A9955"/>
+                </a:solidFill>
+                <a:effectLst/>
+                <a:latin typeface="Consolas" panose="020B0609020204030204" pitchFamily="49" charset="0"/>
+              </a:rPr>
               <a:t>Antd</a:t>
             </a:r>
             <a:r>
-              <a:rPr lang="zh-CN" altLang="en-US" dirty="0"/>
-              <a:t>的</a:t>
-            </a:r>
-            <a:r>
-              <a:rPr lang="en-US" altLang="zh-CN" dirty="0"/>
-              <a:t>UI</a:t>
-            </a:r>
-            <a:r>
-              <a:rPr lang="zh-CN" altLang="en-US" dirty="0"/>
-              <a:t>库对</a:t>
-            </a:r>
-            <a:r>
-              <a:rPr lang="en-US" altLang="zh-CN" dirty="0" err="1"/>
-              <a:t>TodoList</a:t>
-            </a:r>
-            <a:r>
-              <a:rPr lang="zh-CN" altLang="en-US" dirty="0"/>
-              <a:t>案例重新进行打磨，把原生的标签换成一些</a:t>
-            </a:r>
-            <a:r>
-              <a:rPr lang="en-US" altLang="zh-CN" dirty="0" err="1"/>
-              <a:t>Antd</a:t>
-            </a:r>
-            <a:r>
-              <a:rPr lang="zh-CN" altLang="en-US" dirty="0"/>
-              <a:t>的组件</a:t>
-            </a:r>
+              <a:rPr lang="zh-CN" altLang="en-US" b="0" dirty="0">
+                <a:solidFill>
+                  <a:srgbClr val="6A9955"/>
+                </a:solidFill>
+                <a:effectLst/>
+                <a:latin typeface="Consolas" panose="020B0609020204030204" pitchFamily="49" charset="0"/>
+              </a:rPr>
+              <a:t>，下面来看看</a:t>
+            </a:r>
+            <a:endParaRPr lang="zh-CN" altLang="en-US" b="0" dirty="0">
+              <a:solidFill>
+                <a:srgbClr val="CCCCCC"/>
+              </a:solidFill>
+              <a:effectLst/>
+              <a:latin typeface="Consolas" panose="020B0609020204030204" pitchFamily="49" charset="0"/>
+            </a:endParaRPr>
+          </a:p>
+          <a:p>
+            <a:endParaRPr lang="zh-CN" altLang="en-US" dirty="0"/>
           </a:p>
         </p:txBody>
       </p:sp>
@@ -2594,7 +2494,256 @@
           <a:p>
             <a:fld id="{F9E1B693-632D-4080-9CF6-EA28B66DC801}" type="slidenum">
               <a:rPr lang="zh-CN" altLang="en-US" smtClean="0"/>
-              <a:t>30</a:t>
+              <a:t>29</a:t>
+            </a:fld>
+            <a:endParaRPr lang="zh-CN" altLang="en-US"/>
+          </a:p>
+        </p:txBody>
+      </p:sp>
+    </p:spTree>
+    <p:extLst>
+      <p:ext uri="{BB962C8B-B14F-4D97-AF65-F5344CB8AC3E}">
+        <p14:creationId xmlns:p14="http://schemas.microsoft.com/office/powerpoint/2010/main" val="2247963627"/>
+      </p:ext>
+    </p:extLst>
+  </p:cSld>
+  <p:clrMapOvr>
+    <a:masterClrMapping/>
+  </p:clrMapOvr>
+</p:notes>
+</file>
+
+<file path=ppt/notesSlides/notesSlide24.xml><?xml version="1.0" encoding="utf-8"?>
+<p:notes xmlns:a="http://schemas.openxmlformats.org/drawingml/2006/main" xmlns:r="http://schemas.openxmlformats.org/officeDocument/2006/relationships" xmlns:p="http://schemas.openxmlformats.org/presentationml/2006/main">
+  <p:cSld>
+    <p:spTree>
+      <p:nvGrpSpPr>
+        <p:cNvPr id="1" name=""/>
+        <p:cNvGrpSpPr/>
+        <p:nvPr/>
+      </p:nvGrpSpPr>
+      <p:grpSpPr>
+        <a:xfrm>
+          <a:off x="0" y="0"/>
+          <a:ext cx="0" cy="0"/>
+          <a:chOff x="0" y="0"/>
+          <a:chExt cx="0" cy="0"/>
+        </a:xfrm>
+      </p:grpSpPr>
+      <p:sp>
+        <p:nvSpPr>
+          <p:cNvPr id="2" name="幻灯片图像占位符 1"/>
+          <p:cNvSpPr>
+            <a:spLocks noGrp="1" noRot="1" noChangeAspect="1"/>
+          </p:cNvSpPr>
+          <p:nvPr>
+            <p:ph type="sldImg"/>
+          </p:nvPr>
+        </p:nvSpPr>
+        <p:spPr/>
+      </p:sp>
+      <p:sp>
+        <p:nvSpPr>
+          <p:cNvPr id="3" name="备注占位符 2"/>
+          <p:cNvSpPr>
+            <a:spLocks noGrp="1"/>
+          </p:cNvSpPr>
+          <p:nvPr>
+            <p:ph type="body" idx="1"/>
+          </p:nvPr>
+        </p:nvSpPr>
+        <p:spPr/>
+        <p:txBody>
+          <a:bodyPr/>
+          <a:lstStyle/>
+          <a:p>
+            <a:pPr marL="0" marR="0" lvl="0" indent="0" algn="l" defTabSz="914400" rtl="0" eaLnBrk="1" fontAlgn="auto" latinLnBrk="0" hangingPunct="1">
+              <a:lnSpc>
+                <a:spcPct val="100000"/>
+              </a:lnSpc>
+              <a:spcBef>
+                <a:spcPts val="0"/>
+              </a:spcBef>
+              <a:spcAft>
+                <a:spcPts val="0"/>
+              </a:spcAft>
+              <a:buClrTx/>
+              <a:buSzTx/>
+              <a:buFontTx/>
+              <a:buNone/>
+              <a:tabLst/>
+              <a:defRPr/>
+            </a:pPr>
+            <a:endParaRPr lang="zh-CN" altLang="en-US" dirty="0"/>
+          </a:p>
+        </p:txBody>
+      </p:sp>
+      <p:sp>
+        <p:nvSpPr>
+          <p:cNvPr id="4" name="灯片编号占位符 3"/>
+          <p:cNvSpPr>
+            <a:spLocks noGrp="1"/>
+          </p:cNvSpPr>
+          <p:nvPr>
+            <p:ph type="sldNum" sz="quarter" idx="5"/>
+          </p:nvPr>
+        </p:nvSpPr>
+        <p:spPr/>
+        <p:txBody>
+          <a:bodyPr/>
+          <a:lstStyle/>
+          <a:p>
+            <a:fld id="{F9E1B693-632D-4080-9CF6-EA28B66DC801}" type="slidenum">
+              <a:rPr lang="zh-CN" altLang="en-US" smtClean="0"/>
+              <a:t>31</a:t>
+            </a:fld>
+            <a:endParaRPr lang="zh-CN" altLang="en-US"/>
+          </a:p>
+        </p:txBody>
+      </p:sp>
+    </p:spTree>
+    <p:extLst>
+      <p:ext uri="{BB962C8B-B14F-4D97-AF65-F5344CB8AC3E}">
+        <p14:creationId xmlns:p14="http://schemas.microsoft.com/office/powerpoint/2010/main" val="932352610"/>
+      </p:ext>
+    </p:extLst>
+  </p:cSld>
+  <p:clrMapOvr>
+    <a:masterClrMapping/>
+  </p:clrMapOvr>
+</p:notes>
+</file>
+
+<file path=ppt/notesSlides/notesSlide25.xml><?xml version="1.0" encoding="utf-8"?>
+<p:notes xmlns:a="http://schemas.openxmlformats.org/drawingml/2006/main" xmlns:r="http://schemas.openxmlformats.org/officeDocument/2006/relationships" xmlns:p="http://schemas.openxmlformats.org/presentationml/2006/main">
+  <p:cSld>
+    <p:spTree>
+      <p:nvGrpSpPr>
+        <p:cNvPr id="1" name=""/>
+        <p:cNvGrpSpPr/>
+        <p:nvPr/>
+      </p:nvGrpSpPr>
+      <p:grpSpPr>
+        <a:xfrm>
+          <a:off x="0" y="0"/>
+          <a:ext cx="0" cy="0"/>
+          <a:chOff x="0" y="0"/>
+          <a:chExt cx="0" cy="0"/>
+        </a:xfrm>
+      </p:grpSpPr>
+      <p:sp>
+        <p:nvSpPr>
+          <p:cNvPr id="2" name="幻灯片图像占位符 1"/>
+          <p:cNvSpPr>
+            <a:spLocks noGrp="1" noRot="1" noChangeAspect="1"/>
+          </p:cNvSpPr>
+          <p:nvPr>
+            <p:ph type="sldImg"/>
+          </p:nvPr>
+        </p:nvSpPr>
+        <p:spPr/>
+      </p:sp>
+      <p:sp>
+        <p:nvSpPr>
+          <p:cNvPr id="3" name="备注占位符 2"/>
+          <p:cNvSpPr>
+            <a:spLocks noGrp="1"/>
+          </p:cNvSpPr>
+          <p:nvPr>
+            <p:ph type="body" idx="1"/>
+          </p:nvPr>
+        </p:nvSpPr>
+        <p:spPr/>
+        <p:txBody>
+          <a:bodyPr/>
+          <a:lstStyle/>
+          <a:p>
+            <a:pPr marL="0" marR="0" lvl="0" indent="0" algn="l" defTabSz="914400" rtl="0" eaLnBrk="1" fontAlgn="auto" latinLnBrk="0" hangingPunct="1">
+              <a:lnSpc>
+                <a:spcPct val="100000"/>
+              </a:lnSpc>
+              <a:spcBef>
+                <a:spcPts val="0"/>
+              </a:spcBef>
+              <a:spcAft>
+                <a:spcPts val="0"/>
+              </a:spcAft>
+              <a:buClrTx/>
+              <a:buSzTx/>
+              <a:buFontTx/>
+              <a:buNone/>
+              <a:tabLst/>
+              <a:defRPr/>
+            </a:pPr>
+            <a:r>
+              <a:rPr lang="en-US" altLang="zh-CN" dirty="0"/>
+              <a:t>[1]</a:t>
+            </a:r>
+            <a:r>
+              <a:rPr lang="zh-CN" altLang="en-US" dirty="0"/>
+              <a:t>这个案例是在</a:t>
+            </a:r>
+            <a:r>
+              <a:rPr lang="en-US" altLang="zh-CN" dirty="0"/>
+              <a:t>TodoList2</a:t>
+            </a:r>
+            <a:r>
+              <a:rPr lang="zh-CN" altLang="en-US" dirty="0"/>
+              <a:t>的基础上，使用</a:t>
+            </a:r>
+            <a:r>
+              <a:rPr lang="en-US" altLang="zh-CN" dirty="0" err="1"/>
+              <a:t>Antd</a:t>
+            </a:r>
+            <a:r>
+              <a:rPr lang="zh-CN" altLang="en-US" dirty="0"/>
+              <a:t>的</a:t>
+            </a:r>
+            <a:r>
+              <a:rPr lang="en-US" altLang="zh-CN" dirty="0"/>
+              <a:t>UI</a:t>
+            </a:r>
+            <a:r>
+              <a:rPr lang="zh-CN" altLang="en-US" dirty="0"/>
+              <a:t>库对</a:t>
+            </a:r>
+            <a:r>
+              <a:rPr lang="en-US" altLang="zh-CN" dirty="0" err="1"/>
+              <a:t>TodoList</a:t>
+            </a:r>
+            <a:r>
+              <a:rPr lang="zh-CN" altLang="en-US" dirty="0"/>
+              <a:t>案例重新进行打磨，把原生的标签换成一些</a:t>
+            </a:r>
+            <a:r>
+              <a:rPr lang="en-US" altLang="zh-CN" dirty="0" err="1"/>
+              <a:t>Antd</a:t>
+            </a:r>
+            <a:r>
+              <a:rPr lang="zh-CN" altLang="en-US" dirty="0"/>
+              <a:t>的组件</a:t>
+            </a:r>
+          </a:p>
+        </p:txBody>
+      </p:sp>
+      <p:sp>
+        <p:nvSpPr>
+          <p:cNvPr id="4" name="灯片编号占位符 3"/>
+          <p:cNvSpPr>
+            <a:spLocks noGrp="1"/>
+          </p:cNvSpPr>
+          <p:nvPr>
+            <p:ph type="sldNum" sz="quarter" idx="5"/>
+          </p:nvPr>
+        </p:nvSpPr>
+        <p:spPr/>
+        <p:txBody>
+          <a:bodyPr/>
+          <a:lstStyle/>
+          <a:p>
+            <a:fld id="{F9E1B693-632D-4080-9CF6-EA28B66DC801}" type="slidenum">
+              <a:rPr lang="zh-CN" altLang="en-US" smtClean="0"/>
+              <a:t>32</a:t>
             </a:fld>
             <a:endParaRPr lang="zh-CN" altLang="en-US"/>
           </a:p>
@@ -5849,7 +5998,7 @@
                   <a:srgbClr val="FF0000"/>
                 </a:solidFill>
               </a:rPr>
-              <a:t>开头的必须在组件顶层使用，如果你的组件没有大写，那就会报错了；不能用在</a:t>
+              <a:t>开头的必须在组件顶层使用，如果你的组件名没有大写，那就会报错了；不能用在</a:t>
             </a:r>
             <a:r>
               <a:rPr lang="en-US" altLang="zh-CN" dirty="0">
@@ -8989,7 +9138,7 @@
         <p:spPr>
           <a:xfrm>
             <a:off x="401351" y="603746"/>
-            <a:ext cx="8348079" cy="6740307"/>
+            <a:ext cx="8348079" cy="8679299"/>
           </a:xfrm>
           <a:prstGeom prst="rect">
             <a:avLst/>
@@ -9008,7 +9157,7 @@
             </a:r>
             <a:r>
               <a:rPr lang="zh-CN" altLang="en-US" dirty="0"/>
-              <a:t>、路由 补</a:t>
+              <a:t>、路由 </a:t>
             </a:r>
             <a:endParaRPr lang="en-US" altLang="zh-CN" dirty="0"/>
           </a:p>
@@ -9021,16 +9170,6 @@
           <a:p>
             <a:r>
               <a:rPr lang="zh-CN" altLang="en-US" dirty="0"/>
-              <a:t>路由跳转：</a:t>
-            </a:r>
-            <a:endParaRPr lang="en-US" altLang="zh-CN" dirty="0"/>
-          </a:p>
-          <a:p>
-            <a:endParaRPr lang="en-US" altLang="zh-CN" dirty="0"/>
-          </a:p>
-          <a:p>
-            <a:r>
-              <a:rPr lang="zh-CN" altLang="en-US" dirty="0"/>
               <a:t>路由传参：</a:t>
             </a:r>
             <a:endParaRPr lang="en-US" altLang="zh-CN" dirty="0"/>
@@ -9039,11 +9178,487 @@
             <a:endParaRPr lang="en-US" altLang="zh-CN" dirty="0"/>
           </a:p>
           <a:p>
-            <a:r>
-              <a:rPr lang="zh-CN" altLang="en-US" dirty="0"/>
-              <a:t>路由接收参数：</a:t>
-            </a:r>
-            <a:endParaRPr lang="en-US" altLang="zh-CN" dirty="0"/>
+            <a:pPr marL="285750" indent="-285750">
+              <a:buFont typeface="Arial" panose="020B0604020202020204" pitchFamily="34" charset="0"/>
+              <a:buChar char="•"/>
+            </a:pPr>
+            <a:r>
+              <a:rPr lang="zh-CN" altLang="en-US" dirty="0"/>
+              <a:t>动态路由：</a:t>
+            </a:r>
+            <a:endParaRPr lang="en-US" altLang="zh-CN" dirty="0"/>
+          </a:p>
+          <a:p>
+            <a:r>
+              <a:rPr lang="en-US" altLang="zh-CN" dirty="0"/>
+              <a:t>      routes</a:t>
+            </a:r>
+            <a:r>
+              <a:rPr lang="zh-CN" altLang="en-US" dirty="0"/>
+              <a:t>文件中配置 </a:t>
+            </a:r>
+            <a:r>
+              <a:rPr lang="en-US" altLang="zh-CN" dirty="0"/>
+              <a:t>{ path: "/detail/:name", component: "detail" }</a:t>
+            </a:r>
+          </a:p>
+          <a:p>
+            <a:endParaRPr lang="en-US" altLang="zh-CN" dirty="0"/>
+          </a:p>
+          <a:p>
+            <a:r>
+              <a:rPr lang="en-US" altLang="zh-CN" dirty="0"/>
+              <a:t>      </a:t>
+            </a:r>
+            <a:r>
+              <a:rPr lang="en-US" altLang="zh-CN" b="0" dirty="0">
+                <a:solidFill>
+                  <a:srgbClr val="C586C0"/>
+                </a:solidFill>
+                <a:effectLst/>
+                <a:latin typeface="Consolas" panose="020B0609020204030204" pitchFamily="49" charset="0"/>
+              </a:rPr>
+              <a:t>import</a:t>
+            </a:r>
+            <a:r>
+              <a:rPr lang="en-US" altLang="zh-CN" b="0" dirty="0">
+                <a:solidFill>
+                  <a:srgbClr val="D4D4D4"/>
+                </a:solidFill>
+                <a:effectLst/>
+                <a:latin typeface="Consolas" panose="020B0609020204030204" pitchFamily="49" charset="0"/>
+              </a:rPr>
+              <a:t> { </a:t>
+            </a:r>
+            <a:r>
+              <a:rPr lang="en-US" altLang="zh-CN" b="0" dirty="0">
+                <a:solidFill>
+                  <a:srgbClr val="9CDCFE"/>
+                </a:solidFill>
+                <a:effectLst/>
+                <a:latin typeface="Consolas" panose="020B0609020204030204" pitchFamily="49" charset="0"/>
+              </a:rPr>
+              <a:t>history</a:t>
+            </a:r>
+            <a:r>
+              <a:rPr lang="en-US" altLang="zh-CN" b="0" dirty="0">
+                <a:solidFill>
+                  <a:srgbClr val="D4D4D4"/>
+                </a:solidFill>
+                <a:effectLst/>
+                <a:latin typeface="Consolas" panose="020B0609020204030204" pitchFamily="49" charset="0"/>
+              </a:rPr>
+              <a:t> } </a:t>
+            </a:r>
+            <a:r>
+              <a:rPr lang="en-US" altLang="zh-CN" b="0" dirty="0">
+                <a:solidFill>
+                  <a:srgbClr val="C586C0"/>
+                </a:solidFill>
+                <a:effectLst/>
+                <a:latin typeface="Consolas" panose="020B0609020204030204" pitchFamily="49" charset="0"/>
+              </a:rPr>
+              <a:t>from</a:t>
+            </a:r>
+            <a:r>
+              <a:rPr lang="en-US" altLang="zh-CN" b="0" dirty="0">
+                <a:solidFill>
+                  <a:srgbClr val="D4D4D4"/>
+                </a:solidFill>
+                <a:effectLst/>
+                <a:latin typeface="Consolas" panose="020B0609020204030204" pitchFamily="49" charset="0"/>
+              </a:rPr>
+              <a:t> </a:t>
+            </a:r>
+            <a:r>
+              <a:rPr lang="en-US" altLang="zh-CN" b="0" dirty="0">
+                <a:solidFill>
+                  <a:srgbClr val="CE9178"/>
+                </a:solidFill>
+                <a:effectLst/>
+                <a:latin typeface="Consolas" panose="020B0609020204030204" pitchFamily="49" charset="0"/>
+              </a:rPr>
+              <a:t>"</a:t>
+            </a:r>
+            <a:r>
+              <a:rPr lang="en-US" altLang="zh-CN" b="0" dirty="0" err="1">
+                <a:solidFill>
+                  <a:srgbClr val="CE9178"/>
+                </a:solidFill>
+                <a:effectLst/>
+                <a:latin typeface="Consolas" panose="020B0609020204030204" pitchFamily="49" charset="0"/>
+              </a:rPr>
+              <a:t>umi</a:t>
+            </a:r>
+            <a:r>
+              <a:rPr lang="en-US" altLang="zh-CN" b="0" dirty="0">
+                <a:solidFill>
+                  <a:srgbClr val="CE9178"/>
+                </a:solidFill>
+                <a:effectLst/>
+                <a:latin typeface="Consolas" panose="020B0609020204030204" pitchFamily="49" charset="0"/>
+              </a:rPr>
+              <a:t>"</a:t>
+            </a:r>
+            <a:r>
+              <a:rPr lang="en-US" altLang="zh-CN" b="0" dirty="0">
+                <a:solidFill>
+                  <a:srgbClr val="D4D4D4"/>
+                </a:solidFill>
+                <a:effectLst/>
+                <a:latin typeface="Consolas" panose="020B0609020204030204" pitchFamily="49" charset="0"/>
+              </a:rPr>
+              <a:t>;</a:t>
+            </a:r>
+            <a:endParaRPr lang="en-US" altLang="zh-CN" b="0" dirty="0">
+              <a:solidFill>
+                <a:srgbClr val="CCCCCC"/>
+              </a:solidFill>
+              <a:effectLst/>
+              <a:latin typeface="Consolas" panose="020B0609020204030204" pitchFamily="49" charset="0"/>
+            </a:endParaRPr>
+          </a:p>
+          <a:p>
+            <a:r>
+              <a:rPr lang="en-US" altLang="zh-CN" dirty="0"/>
+              <a:t>      </a:t>
+            </a:r>
+            <a:r>
+              <a:rPr lang="en-US" altLang="zh-CN" b="0" dirty="0" err="1">
+                <a:solidFill>
+                  <a:srgbClr val="9CDCFE"/>
+                </a:solidFill>
+                <a:effectLst/>
+                <a:latin typeface="Consolas" panose="020B0609020204030204" pitchFamily="49" charset="0"/>
+              </a:rPr>
+              <a:t>history</a:t>
+            </a:r>
+            <a:r>
+              <a:rPr lang="en-US" altLang="zh-CN" b="0" dirty="0" err="1">
+                <a:solidFill>
+                  <a:srgbClr val="D4D4D4"/>
+                </a:solidFill>
+                <a:effectLst/>
+                <a:latin typeface="Consolas" panose="020B0609020204030204" pitchFamily="49" charset="0"/>
+              </a:rPr>
+              <a:t>.</a:t>
+            </a:r>
+            <a:r>
+              <a:rPr lang="en-US" altLang="zh-CN" b="0" dirty="0" err="1">
+                <a:solidFill>
+                  <a:srgbClr val="DCDCAA"/>
+                </a:solidFill>
+                <a:effectLst/>
+                <a:latin typeface="Consolas" panose="020B0609020204030204" pitchFamily="49" charset="0"/>
+              </a:rPr>
+              <a:t>push</a:t>
+            </a:r>
+            <a:r>
+              <a:rPr lang="en-US" altLang="zh-CN" b="0" dirty="0">
+                <a:solidFill>
+                  <a:srgbClr val="D4D4D4"/>
+                </a:solidFill>
+                <a:effectLst/>
+                <a:latin typeface="Consolas" panose="020B0609020204030204" pitchFamily="49" charset="0"/>
+              </a:rPr>
+              <a:t>(</a:t>
+            </a:r>
+            <a:r>
+              <a:rPr lang="en-US" altLang="zh-CN" b="0" dirty="0">
+                <a:solidFill>
+                  <a:srgbClr val="CE9178"/>
+                </a:solidFill>
+                <a:effectLst/>
+                <a:latin typeface="Consolas" panose="020B0609020204030204" pitchFamily="49" charset="0"/>
+              </a:rPr>
+              <a:t>`/detail/</a:t>
+            </a:r>
+            <a:r>
+              <a:rPr lang="en-US" altLang="zh-CN" b="0" dirty="0">
+                <a:solidFill>
+                  <a:srgbClr val="569CD6"/>
+                </a:solidFill>
+                <a:effectLst/>
+                <a:latin typeface="Consolas" panose="020B0609020204030204" pitchFamily="49" charset="0"/>
+              </a:rPr>
+              <a:t>${</a:t>
+            </a:r>
+            <a:r>
+              <a:rPr lang="en-US" altLang="zh-CN" b="0" dirty="0" err="1">
+                <a:solidFill>
+                  <a:srgbClr val="9CDCFE"/>
+                </a:solidFill>
+                <a:effectLst/>
+                <a:latin typeface="Consolas" panose="020B0609020204030204" pitchFamily="49" charset="0"/>
+              </a:rPr>
+              <a:t>item</a:t>
+            </a:r>
+            <a:r>
+              <a:rPr lang="en-US" altLang="zh-CN" b="0" dirty="0" err="1">
+                <a:solidFill>
+                  <a:srgbClr val="D4D4D4"/>
+                </a:solidFill>
+                <a:effectLst/>
+                <a:latin typeface="Consolas" panose="020B0609020204030204" pitchFamily="49" charset="0"/>
+              </a:rPr>
+              <a:t>.</a:t>
+            </a:r>
+            <a:r>
+              <a:rPr lang="en-US" altLang="zh-CN" b="0" dirty="0" err="1">
+                <a:solidFill>
+                  <a:srgbClr val="9CDCFE"/>
+                </a:solidFill>
+                <a:effectLst/>
+                <a:latin typeface="Consolas" panose="020B0609020204030204" pitchFamily="49" charset="0"/>
+              </a:rPr>
+              <a:t>title</a:t>
+            </a:r>
+            <a:r>
+              <a:rPr lang="en-US" altLang="zh-CN" b="0" dirty="0">
+                <a:solidFill>
+                  <a:srgbClr val="569CD6"/>
+                </a:solidFill>
+                <a:effectLst/>
+                <a:latin typeface="Consolas" panose="020B0609020204030204" pitchFamily="49" charset="0"/>
+              </a:rPr>
+              <a:t>}</a:t>
+            </a:r>
+            <a:r>
+              <a:rPr lang="en-US" altLang="zh-CN" b="0" dirty="0">
+                <a:solidFill>
+                  <a:srgbClr val="CE9178"/>
+                </a:solidFill>
+                <a:effectLst/>
+                <a:latin typeface="Consolas" panose="020B0609020204030204" pitchFamily="49" charset="0"/>
+              </a:rPr>
+              <a:t>`</a:t>
+            </a:r>
+            <a:r>
+              <a:rPr lang="en-US" altLang="zh-CN" b="0" dirty="0">
+                <a:solidFill>
+                  <a:srgbClr val="D4D4D4"/>
+                </a:solidFill>
+                <a:effectLst/>
+                <a:latin typeface="Consolas" panose="020B0609020204030204" pitchFamily="49" charset="0"/>
+              </a:rPr>
+              <a:t>);</a:t>
+            </a:r>
+            <a:endParaRPr lang="en-US" altLang="zh-CN" b="0" dirty="0">
+              <a:solidFill>
+                <a:srgbClr val="CCCCCC"/>
+              </a:solidFill>
+              <a:effectLst/>
+              <a:latin typeface="Consolas" panose="020B0609020204030204" pitchFamily="49" charset="0"/>
+            </a:endParaRPr>
+          </a:p>
+          <a:p>
+            <a:endParaRPr lang="en-US" altLang="zh-CN" dirty="0"/>
+          </a:p>
+          <a:p>
+            <a:pPr marL="285750" indent="-285750">
+              <a:buFont typeface="Arial" panose="020B0604020202020204" pitchFamily="34" charset="0"/>
+              <a:buChar char="•"/>
+            </a:pPr>
+            <a:endParaRPr lang="en-US" altLang="zh-CN" dirty="0"/>
+          </a:p>
+          <a:p>
+            <a:pPr marL="285750" indent="-285750">
+              <a:buFont typeface="Arial" panose="020B0604020202020204" pitchFamily="34" charset="0"/>
+              <a:buChar char="•"/>
+            </a:pPr>
+            <a:r>
+              <a:rPr lang="zh-CN" altLang="en-US" b="0" i="0" dirty="0">
+                <a:solidFill>
+                  <a:srgbClr val="333333"/>
+                </a:solidFill>
+                <a:effectLst/>
+                <a:latin typeface="Helvetica Neue"/>
+              </a:rPr>
+              <a:t>在</a:t>
+            </a:r>
+            <a:r>
+              <a:rPr lang="en-US" altLang="zh-CN" b="0" i="0" dirty="0" err="1">
+                <a:solidFill>
+                  <a:srgbClr val="333333"/>
+                </a:solidFill>
+                <a:effectLst/>
+                <a:latin typeface="Helvetica Neue"/>
+              </a:rPr>
+              <a:t>url</a:t>
+            </a:r>
+            <a:r>
+              <a:rPr lang="zh-CN" altLang="en-US" b="0" i="0" dirty="0">
+                <a:solidFill>
+                  <a:srgbClr val="333333"/>
+                </a:solidFill>
+                <a:effectLst/>
+                <a:latin typeface="Helvetica Neue"/>
+              </a:rPr>
+              <a:t>的</a:t>
+            </a:r>
+            <a:r>
+              <a:rPr lang="en-US" altLang="zh-CN" b="0" i="0" dirty="0">
+                <a:solidFill>
+                  <a:srgbClr val="333333"/>
+                </a:solidFill>
+                <a:effectLst/>
+                <a:latin typeface="Helvetica Neue"/>
+              </a:rPr>
+              <a:t>?</a:t>
+            </a:r>
+            <a:r>
+              <a:rPr lang="zh-CN" altLang="en-US" b="0" i="0" dirty="0">
+                <a:solidFill>
+                  <a:srgbClr val="333333"/>
+                </a:solidFill>
+                <a:effectLst/>
+                <a:latin typeface="Helvetica Neue"/>
+              </a:rPr>
+              <a:t>后跳转并携带参数</a:t>
+            </a:r>
+            <a:endParaRPr lang="en-US" altLang="zh-CN" dirty="0"/>
+          </a:p>
+          <a:p>
+            <a:endParaRPr lang="en-US" altLang="zh-CN" dirty="0"/>
+          </a:p>
+          <a:p>
+            <a:r>
+              <a:rPr lang="en-US" altLang="zh-CN" b="0" dirty="0">
+                <a:solidFill>
+                  <a:srgbClr val="9CDCFE"/>
+                </a:solidFill>
+                <a:effectLst/>
+                <a:latin typeface="Consolas" panose="020B0609020204030204" pitchFamily="49" charset="0"/>
+              </a:rPr>
+              <a:t>   </a:t>
+            </a:r>
+            <a:r>
+              <a:rPr lang="en-US" altLang="zh-CN" b="0" dirty="0" err="1">
+                <a:solidFill>
+                  <a:srgbClr val="9CDCFE"/>
+                </a:solidFill>
+                <a:effectLst/>
+                <a:latin typeface="Consolas" panose="020B0609020204030204" pitchFamily="49" charset="0"/>
+              </a:rPr>
+              <a:t>history</a:t>
+            </a:r>
+            <a:r>
+              <a:rPr lang="en-US" altLang="zh-CN" b="0" dirty="0" err="1">
+                <a:solidFill>
+                  <a:srgbClr val="D4D4D4"/>
+                </a:solidFill>
+                <a:effectLst/>
+                <a:latin typeface="Consolas" panose="020B0609020204030204" pitchFamily="49" charset="0"/>
+              </a:rPr>
+              <a:t>.</a:t>
+            </a:r>
+            <a:r>
+              <a:rPr lang="en-US" altLang="zh-CN" b="0" dirty="0" err="1">
+                <a:solidFill>
+                  <a:srgbClr val="DCDCAA"/>
+                </a:solidFill>
+                <a:effectLst/>
+                <a:latin typeface="Consolas" panose="020B0609020204030204" pitchFamily="49" charset="0"/>
+              </a:rPr>
+              <a:t>push</a:t>
+            </a:r>
+            <a:r>
+              <a:rPr lang="en-US" altLang="zh-CN" b="0" dirty="0">
+                <a:solidFill>
+                  <a:srgbClr val="D4D4D4"/>
+                </a:solidFill>
+                <a:effectLst/>
+                <a:latin typeface="Consolas" panose="020B0609020204030204" pitchFamily="49" charset="0"/>
+              </a:rPr>
+              <a:t>(</a:t>
+            </a:r>
+            <a:r>
+              <a:rPr lang="en-US" altLang="zh-CN" b="0" dirty="0">
+                <a:solidFill>
+                  <a:srgbClr val="CE9178"/>
+                </a:solidFill>
+                <a:effectLst/>
+                <a:latin typeface="Consolas" panose="020B0609020204030204" pitchFamily="49" charset="0"/>
+              </a:rPr>
+              <a:t>`/detail2?title=</a:t>
+            </a:r>
+            <a:r>
+              <a:rPr lang="en-US" altLang="zh-CN" b="0" dirty="0">
+                <a:solidFill>
+                  <a:srgbClr val="569CD6"/>
+                </a:solidFill>
+                <a:effectLst/>
+                <a:latin typeface="Consolas" panose="020B0609020204030204" pitchFamily="49" charset="0"/>
+              </a:rPr>
+              <a:t>${</a:t>
+            </a:r>
+            <a:r>
+              <a:rPr lang="en-US" altLang="zh-CN" b="0" dirty="0" err="1">
+                <a:solidFill>
+                  <a:srgbClr val="9CDCFE"/>
+                </a:solidFill>
+                <a:effectLst/>
+                <a:latin typeface="Consolas" panose="020B0609020204030204" pitchFamily="49" charset="0"/>
+              </a:rPr>
+              <a:t>item</a:t>
+            </a:r>
+            <a:r>
+              <a:rPr lang="en-US" altLang="zh-CN" b="0" dirty="0" err="1">
+                <a:solidFill>
+                  <a:srgbClr val="D4D4D4"/>
+                </a:solidFill>
+                <a:effectLst/>
+                <a:latin typeface="Consolas" panose="020B0609020204030204" pitchFamily="49" charset="0"/>
+              </a:rPr>
+              <a:t>.</a:t>
+            </a:r>
+            <a:r>
+              <a:rPr lang="en-US" altLang="zh-CN" b="0" dirty="0" err="1">
+                <a:solidFill>
+                  <a:srgbClr val="9CDCFE"/>
+                </a:solidFill>
+                <a:effectLst/>
+                <a:latin typeface="Consolas" panose="020B0609020204030204" pitchFamily="49" charset="0"/>
+              </a:rPr>
+              <a:t>title</a:t>
+            </a:r>
+            <a:r>
+              <a:rPr lang="en-US" altLang="zh-CN" b="0" dirty="0">
+                <a:solidFill>
+                  <a:srgbClr val="569CD6"/>
+                </a:solidFill>
+                <a:effectLst/>
+                <a:latin typeface="Consolas" panose="020B0609020204030204" pitchFamily="49" charset="0"/>
+              </a:rPr>
+              <a:t>}</a:t>
+            </a:r>
+            <a:r>
+              <a:rPr lang="en-US" altLang="zh-CN" b="0" dirty="0">
+                <a:solidFill>
+                  <a:srgbClr val="CE9178"/>
+                </a:solidFill>
+                <a:effectLst/>
+                <a:latin typeface="Consolas" panose="020B0609020204030204" pitchFamily="49" charset="0"/>
+              </a:rPr>
+              <a:t>`</a:t>
+            </a:r>
+            <a:r>
+              <a:rPr lang="en-US" altLang="zh-CN" b="0" dirty="0">
+                <a:solidFill>
+                  <a:srgbClr val="D4D4D4"/>
+                </a:solidFill>
+                <a:effectLst/>
+                <a:latin typeface="Consolas" panose="020B0609020204030204" pitchFamily="49" charset="0"/>
+              </a:rPr>
+              <a:t>);</a:t>
+            </a:r>
+            <a:endParaRPr lang="en-US" altLang="zh-CN" b="0" dirty="0">
+              <a:solidFill>
+                <a:srgbClr val="CCCCCC"/>
+              </a:solidFill>
+              <a:effectLst/>
+              <a:latin typeface="Consolas" panose="020B0609020204030204" pitchFamily="49" charset="0"/>
+            </a:endParaRPr>
           </a:p>
           <a:p>
             <a:endParaRPr lang="en-US" altLang="zh-CN" dirty="0"/>
@@ -9134,14 +9749,51 @@
       </p:grpSpPr>
       <p:sp>
         <p:nvSpPr>
-          <p:cNvPr id="4" name="文本框 3"/>
+          <p:cNvPr id="2" name="标题 1"/>
+          <p:cNvSpPr>
+            <a:spLocks noGrp="1"/>
+          </p:cNvSpPr>
+          <p:nvPr>
+            <p:ph type="title"/>
+          </p:nvPr>
+        </p:nvSpPr>
+        <p:spPr/>
+        <p:txBody>
+          <a:bodyPr/>
+          <a:lstStyle/>
+          <a:p>
+            <a:r>
+              <a:rPr lang="en-US" altLang="zh-CN" dirty="0"/>
+              <a:t>React</a:t>
+            </a:r>
+            <a:r>
+              <a:rPr lang="zh-CN" altLang="en-US" dirty="0"/>
+              <a:t>进阶</a:t>
+            </a:r>
+            <a:endParaRPr lang="zh-CN" altLang="en-US" sz="2400" b="1" dirty="0">
+              <a:solidFill>
+                <a:schemeClr val="tx1"/>
+              </a:solidFill>
+            </a:endParaRPr>
+          </a:p>
+        </p:txBody>
+      </p:sp>
+      <p:sp>
+        <p:nvSpPr>
+          <p:cNvPr id="3" name="文本框 2">
+            <a:extLst>
+              <a:ext uri="{FF2B5EF4-FFF2-40B4-BE49-F238E27FC236}">
+                <a16:creationId xmlns:a16="http://schemas.microsoft.com/office/drawing/2014/main" id="{2D8317DA-A896-C16B-5BC0-C4A9FD1F7426}"/>
+              </a:ext>
+            </a:extLst>
+          </p:cNvPr>
           <p:cNvSpPr txBox="1"/>
           <p:nvPr/>
         </p:nvSpPr>
         <p:spPr>
           <a:xfrm>
-            <a:off x="1455575" y="2251392"/>
-            <a:ext cx="1766830" cy="1862048"/>
+            <a:off x="401351" y="603746"/>
+            <a:ext cx="8348079" cy="9510296"/>
           </a:xfrm>
           <a:prstGeom prst="rect">
             <a:avLst/>
@@ -9149,130 +9801,860 @@
           <a:noFill/>
         </p:spPr>
         <p:txBody>
-          <a:bodyPr wrap="none" rtlCol="0">
+          <a:bodyPr wrap="square" rtlCol="0">
             <a:spAutoFit/>
           </a:bodyPr>
           <a:lstStyle/>
           <a:p>
-            <a:pPr algn="ctr"/>
-            <a:r>
-              <a:rPr lang="en-US" altLang="zh-CN" sz="11500" dirty="0">
-                <a:solidFill>
-                  <a:srgbClr val="FF9933"/>
-                </a:solidFill>
-                <a:latin typeface="Impact" panose="020B0806030902050204" pitchFamily="34" charset="0"/>
-              </a:rPr>
-              <a:t>05</a:t>
-            </a:r>
-          </a:p>
-        </p:txBody>
-      </p:sp>
-      <p:sp>
-        <p:nvSpPr>
-          <p:cNvPr id="5" name="文本框 4"/>
-          <p:cNvSpPr txBox="1"/>
-          <p:nvPr/>
-        </p:nvSpPr>
-        <p:spPr>
-          <a:xfrm>
-            <a:off x="3226435" y="2465070"/>
-            <a:ext cx="4900295" cy="1014730"/>
-          </a:xfrm>
-          <a:prstGeom prst="rect">
-            <a:avLst/>
-          </a:prstGeom>
-          <a:noFill/>
-        </p:spPr>
-        <p:txBody>
-          <a:bodyPr wrap="square" rtlCol="0">
-            <a:spAutoFit/>
-            <a:scene3d>
-              <a:camera prst="orthographicFront"/>
-              <a:lightRig rig="threePt" dir="t"/>
-            </a:scene3d>
-            <a:sp3d contourW="12700"/>
-          </a:bodyPr>
-          <a:lstStyle/>
-          <a:p>
-            <a:r>
-              <a:rPr lang="zh-CN" altLang="en-US" sz="6000" b="1" dirty="0">
-                <a:solidFill>
-                  <a:schemeClr val="tx1"/>
-                </a:solidFill>
-              </a:rPr>
-              <a:t>实践演练</a:t>
-            </a:r>
-            <a:r>
-              <a:rPr lang="en-US" altLang="zh-CN" sz="6000" b="1" dirty="0">
-                <a:solidFill>
-                  <a:schemeClr val="tx1"/>
-                </a:solidFill>
-              </a:rPr>
-              <a:t>2</a:t>
-            </a:r>
-          </a:p>
-        </p:txBody>
-      </p:sp>
-      <p:sp>
-        <p:nvSpPr>
-          <p:cNvPr id="3" name="文本框 2"/>
-          <p:cNvSpPr txBox="1"/>
-          <p:nvPr/>
-        </p:nvSpPr>
-        <p:spPr>
-          <a:xfrm>
-            <a:off x="2929842" y="3562638"/>
-            <a:ext cx="4574892" cy="646331"/>
-          </a:xfrm>
-          <a:prstGeom prst="rect">
-            <a:avLst/>
-          </a:prstGeom>
-          <a:noFill/>
-        </p:spPr>
-        <p:txBody>
-          <a:bodyPr wrap="square">
-            <a:spAutoFit/>
-          </a:bodyPr>
-          <a:lstStyle/>
-          <a:p>
-            <a:pPr marL="742950" lvl="1" indent="-285750">
+            <a:r>
+              <a:rPr lang="en-US" altLang="zh-CN" dirty="0"/>
+              <a:t>3</a:t>
+            </a:r>
+            <a:r>
+              <a:rPr lang="zh-CN" altLang="en-US" dirty="0"/>
+              <a:t>、路由 </a:t>
+            </a:r>
+            <a:endParaRPr lang="en-US" altLang="zh-CN" dirty="0"/>
+          </a:p>
+          <a:p>
+            <a:r>
+              <a:rPr lang="en-US" altLang="zh-CN" dirty="0"/>
+              <a:t>                              </a:t>
+            </a:r>
+          </a:p>
+          <a:p>
+            <a:r>
+              <a:rPr lang="zh-CN" altLang="en-US" dirty="0"/>
+              <a:t>路由接收参数：</a:t>
+            </a:r>
+            <a:endParaRPr lang="en-US" altLang="zh-CN" dirty="0"/>
+          </a:p>
+          <a:p>
+            <a:endParaRPr lang="en-US" altLang="zh-CN" dirty="0"/>
+          </a:p>
+          <a:p>
+            <a:pPr marL="285750" indent="-285750">
               <a:buFont typeface="Arial" panose="020B0604020202020204" pitchFamily="34" charset="0"/>
               <a:buChar char="•"/>
             </a:pPr>
             <a:r>
-              <a:rPr lang="zh-CN" altLang="en-US" dirty="0">
-                <a:solidFill>
-                  <a:schemeClr val="bg2"/>
-                </a:solidFill>
-              </a:rPr>
-              <a:t>组件复用场景</a:t>
-            </a:r>
-            <a:r>
-              <a:rPr lang="en-US" altLang="zh-CN" dirty="0">
-                <a:solidFill>
-                  <a:schemeClr val="bg2"/>
-                </a:solidFill>
-              </a:rPr>
-              <a:t>[1]</a:t>
-            </a:r>
-          </a:p>
-          <a:p>
-            <a:pPr marL="742950" lvl="1" indent="-285750">
+              <a:rPr lang="zh-CN" altLang="en-US" dirty="0"/>
+              <a:t>接收动态路由：</a:t>
+            </a:r>
+            <a:endParaRPr lang="en-US" altLang="zh-CN" dirty="0"/>
+          </a:p>
+          <a:p>
+            <a:endParaRPr lang="en-US" altLang="zh-CN" dirty="0"/>
+          </a:p>
+          <a:p>
+            <a:r>
+              <a:rPr lang="en-US" altLang="zh-CN" dirty="0"/>
+              <a:t>    </a:t>
+            </a:r>
+            <a:r>
+              <a:rPr lang="en-US" altLang="zh-CN" b="0" dirty="0">
+                <a:solidFill>
+                  <a:srgbClr val="C586C0"/>
+                </a:solidFill>
+                <a:effectLst/>
+                <a:latin typeface="Consolas" panose="020B0609020204030204" pitchFamily="49" charset="0"/>
+              </a:rPr>
+              <a:t>import</a:t>
+            </a:r>
+            <a:r>
+              <a:rPr lang="en-US" altLang="zh-CN" b="0" dirty="0">
+                <a:solidFill>
+                  <a:srgbClr val="D4D4D4"/>
+                </a:solidFill>
+                <a:effectLst/>
+                <a:latin typeface="Consolas" panose="020B0609020204030204" pitchFamily="49" charset="0"/>
+              </a:rPr>
+              <a:t> { </a:t>
+            </a:r>
+            <a:r>
+              <a:rPr lang="en-US" altLang="zh-CN" b="0" dirty="0">
+                <a:solidFill>
+                  <a:srgbClr val="9CDCFE"/>
+                </a:solidFill>
+                <a:effectLst/>
+                <a:latin typeface="Consolas" panose="020B0609020204030204" pitchFamily="49" charset="0"/>
+              </a:rPr>
+              <a:t>history</a:t>
+            </a:r>
+            <a:r>
+              <a:rPr lang="en-US" altLang="zh-CN" b="0" dirty="0">
+                <a:solidFill>
+                  <a:srgbClr val="D4D4D4"/>
+                </a:solidFill>
+                <a:effectLst/>
+                <a:latin typeface="Consolas" panose="020B0609020204030204" pitchFamily="49" charset="0"/>
+              </a:rPr>
+              <a:t>, </a:t>
+            </a:r>
+            <a:r>
+              <a:rPr lang="en-US" altLang="zh-CN" b="0" dirty="0" err="1">
+                <a:solidFill>
+                  <a:srgbClr val="9CDCFE"/>
+                </a:solidFill>
+                <a:effectLst/>
+                <a:latin typeface="Consolas" panose="020B0609020204030204" pitchFamily="49" charset="0"/>
+              </a:rPr>
+              <a:t>useParams</a:t>
+            </a:r>
+            <a:r>
+              <a:rPr lang="en-US" altLang="zh-CN" b="0" dirty="0">
+                <a:solidFill>
+                  <a:srgbClr val="D4D4D4"/>
+                </a:solidFill>
+                <a:effectLst/>
+                <a:latin typeface="Consolas" panose="020B0609020204030204" pitchFamily="49" charset="0"/>
+              </a:rPr>
+              <a:t> } </a:t>
+            </a:r>
+            <a:r>
+              <a:rPr lang="en-US" altLang="zh-CN" b="0" dirty="0">
+                <a:solidFill>
+                  <a:srgbClr val="C586C0"/>
+                </a:solidFill>
+                <a:effectLst/>
+                <a:latin typeface="Consolas" panose="020B0609020204030204" pitchFamily="49" charset="0"/>
+              </a:rPr>
+              <a:t>from</a:t>
+            </a:r>
+            <a:r>
+              <a:rPr lang="en-US" altLang="zh-CN" b="0" dirty="0">
+                <a:solidFill>
+                  <a:srgbClr val="D4D4D4"/>
+                </a:solidFill>
+                <a:effectLst/>
+                <a:latin typeface="Consolas" panose="020B0609020204030204" pitchFamily="49" charset="0"/>
+              </a:rPr>
+              <a:t> </a:t>
+            </a:r>
+            <a:r>
+              <a:rPr lang="en-US" altLang="zh-CN" b="0" dirty="0">
+                <a:solidFill>
+                  <a:srgbClr val="CE9178"/>
+                </a:solidFill>
+                <a:effectLst/>
+                <a:latin typeface="Consolas" panose="020B0609020204030204" pitchFamily="49" charset="0"/>
+              </a:rPr>
+              <a:t>"</a:t>
+            </a:r>
+            <a:r>
+              <a:rPr lang="en-US" altLang="zh-CN" b="0" dirty="0" err="1">
+                <a:solidFill>
+                  <a:srgbClr val="CE9178"/>
+                </a:solidFill>
+                <a:effectLst/>
+                <a:latin typeface="Consolas" panose="020B0609020204030204" pitchFamily="49" charset="0"/>
+              </a:rPr>
+              <a:t>umi</a:t>
+            </a:r>
+            <a:r>
+              <a:rPr lang="en-US" altLang="zh-CN" b="0" dirty="0">
+                <a:solidFill>
+                  <a:srgbClr val="CE9178"/>
+                </a:solidFill>
+                <a:effectLst/>
+                <a:latin typeface="Consolas" panose="020B0609020204030204" pitchFamily="49" charset="0"/>
+              </a:rPr>
+              <a:t>"</a:t>
+            </a:r>
+            <a:r>
+              <a:rPr lang="en-US" altLang="zh-CN" b="0" dirty="0">
+                <a:solidFill>
+                  <a:srgbClr val="D4D4D4"/>
+                </a:solidFill>
+                <a:effectLst/>
+                <a:latin typeface="Consolas" panose="020B0609020204030204" pitchFamily="49" charset="0"/>
+              </a:rPr>
+              <a:t>;</a:t>
+            </a:r>
+            <a:endParaRPr lang="en-US" altLang="zh-CN" b="0" dirty="0">
+              <a:solidFill>
+                <a:srgbClr val="CCCCCC"/>
+              </a:solidFill>
+              <a:effectLst/>
+              <a:latin typeface="Consolas" panose="020B0609020204030204" pitchFamily="49" charset="0"/>
+            </a:endParaRPr>
+          </a:p>
+          <a:p>
+            <a:r>
+              <a:rPr lang="en-US" altLang="zh-CN" b="0" dirty="0">
+                <a:solidFill>
+                  <a:srgbClr val="CCCCCC"/>
+                </a:solidFill>
+                <a:effectLst/>
+                <a:latin typeface="Consolas" panose="020B0609020204030204" pitchFamily="49" charset="0"/>
+              </a:rPr>
+              <a:t>  </a:t>
+            </a:r>
+            <a:r>
+              <a:rPr lang="en-US" altLang="zh-CN" b="0" dirty="0">
+                <a:solidFill>
+                  <a:srgbClr val="569CD6"/>
+                </a:solidFill>
+                <a:effectLst/>
+                <a:latin typeface="Consolas" panose="020B0609020204030204" pitchFamily="49" charset="0"/>
+              </a:rPr>
+              <a:t>const</a:t>
+            </a:r>
+            <a:r>
+              <a:rPr lang="en-US" altLang="zh-CN" b="0" dirty="0">
+                <a:solidFill>
+                  <a:srgbClr val="D4D4D4"/>
+                </a:solidFill>
+                <a:effectLst/>
+                <a:latin typeface="Consolas" panose="020B0609020204030204" pitchFamily="49" charset="0"/>
+              </a:rPr>
+              <a:t> { </a:t>
+            </a:r>
+            <a:r>
+              <a:rPr lang="en-US" altLang="zh-CN" b="0" dirty="0">
+                <a:solidFill>
+                  <a:srgbClr val="4FC1FF"/>
+                </a:solidFill>
+                <a:effectLst/>
+                <a:latin typeface="Consolas" panose="020B0609020204030204" pitchFamily="49" charset="0"/>
+              </a:rPr>
+              <a:t>name</a:t>
+            </a:r>
+            <a:r>
+              <a:rPr lang="en-US" altLang="zh-CN" b="0" dirty="0">
+                <a:solidFill>
+                  <a:srgbClr val="D4D4D4"/>
+                </a:solidFill>
+                <a:effectLst/>
+                <a:latin typeface="Consolas" panose="020B0609020204030204" pitchFamily="49" charset="0"/>
+              </a:rPr>
+              <a:t> } = </a:t>
+            </a:r>
+            <a:r>
+              <a:rPr lang="en-US" altLang="zh-CN" b="0" dirty="0" err="1">
+                <a:solidFill>
+                  <a:srgbClr val="DCDCAA"/>
+                </a:solidFill>
+                <a:effectLst/>
+                <a:latin typeface="Consolas" panose="020B0609020204030204" pitchFamily="49" charset="0"/>
+              </a:rPr>
+              <a:t>useParams</a:t>
+            </a:r>
+            <a:r>
+              <a:rPr lang="en-US" altLang="zh-CN" b="0" dirty="0">
+                <a:solidFill>
+                  <a:srgbClr val="D4D4D4"/>
+                </a:solidFill>
+                <a:effectLst/>
+                <a:latin typeface="Consolas" panose="020B0609020204030204" pitchFamily="49" charset="0"/>
+              </a:rPr>
+              <a:t>();</a:t>
+            </a:r>
+            <a:endParaRPr lang="en-US" altLang="zh-CN" b="0" dirty="0">
+              <a:solidFill>
+                <a:srgbClr val="CCCCCC"/>
+              </a:solidFill>
+              <a:effectLst/>
+              <a:latin typeface="Consolas" panose="020B0609020204030204" pitchFamily="49" charset="0"/>
+            </a:endParaRPr>
+          </a:p>
+          <a:p>
+            <a:endParaRPr lang="en-US" altLang="zh-CN" dirty="0"/>
+          </a:p>
+          <a:p>
+            <a:pPr marL="285750" indent="-285750">
               <a:buFont typeface="Arial" panose="020B0604020202020204" pitchFamily="34" charset="0"/>
               <a:buChar char="•"/>
             </a:pPr>
+            <a:endParaRPr lang="en-US" altLang="zh-CN" dirty="0"/>
+          </a:p>
+          <a:p>
+            <a:pPr marL="285750" indent="-285750">
+              <a:buFont typeface="Arial" panose="020B0604020202020204" pitchFamily="34" charset="0"/>
+              <a:buChar char="•"/>
+            </a:pPr>
             <a:r>
               <a:rPr lang="zh-CN" altLang="en-US" dirty="0">
                 <a:solidFill>
-                  <a:schemeClr val="bg2"/>
-                </a:solidFill>
-              </a:rPr>
-              <a:t>模拟路由跳转</a:t>
-            </a:r>
+                  <a:srgbClr val="333333"/>
+                </a:solidFill>
+                <a:latin typeface="Helvetica Neue"/>
+              </a:rPr>
+              <a:t>接收</a:t>
+            </a:r>
+            <a:r>
+              <a:rPr lang="en-US" altLang="zh-CN" b="0" i="0" dirty="0">
+                <a:solidFill>
+                  <a:srgbClr val="333333"/>
+                </a:solidFill>
+                <a:effectLst/>
+                <a:latin typeface="Helvetica Neue"/>
+              </a:rPr>
+              <a:t>?</a:t>
+            </a:r>
+            <a:r>
+              <a:rPr lang="zh-CN" altLang="en-US" b="0" i="0" dirty="0">
+                <a:solidFill>
+                  <a:srgbClr val="333333"/>
+                </a:solidFill>
+                <a:effectLst/>
+                <a:latin typeface="Helvetica Neue"/>
+              </a:rPr>
+              <a:t>后的参数</a:t>
+            </a:r>
+            <a:endParaRPr lang="en-US" altLang="zh-CN" dirty="0"/>
+          </a:p>
+          <a:p>
+            <a:endParaRPr lang="en-US" altLang="zh-CN" dirty="0"/>
+          </a:p>
+          <a:p>
+            <a:r>
+              <a:rPr lang="en-US" altLang="zh-CN" b="0" dirty="0">
+                <a:solidFill>
+                  <a:srgbClr val="9CDCFE"/>
+                </a:solidFill>
+                <a:effectLst/>
+                <a:latin typeface="Consolas" panose="020B0609020204030204" pitchFamily="49" charset="0"/>
+              </a:rPr>
+              <a:t>  </a:t>
+            </a:r>
+            <a:r>
+              <a:rPr lang="en-US" altLang="zh-CN" b="0" dirty="0">
+                <a:solidFill>
+                  <a:srgbClr val="C586C0"/>
+                </a:solidFill>
+                <a:effectLst/>
+                <a:latin typeface="Consolas" panose="020B0609020204030204" pitchFamily="49" charset="0"/>
+              </a:rPr>
+              <a:t>import</a:t>
+            </a:r>
+            <a:r>
+              <a:rPr lang="en-US" altLang="zh-CN" b="0" dirty="0">
+                <a:solidFill>
+                  <a:srgbClr val="D4D4D4"/>
+                </a:solidFill>
+                <a:effectLst/>
+                <a:latin typeface="Consolas" panose="020B0609020204030204" pitchFamily="49" charset="0"/>
+              </a:rPr>
+              <a:t> { </a:t>
+            </a:r>
+            <a:r>
+              <a:rPr lang="en-US" altLang="zh-CN" b="0" dirty="0">
+                <a:solidFill>
+                  <a:srgbClr val="9CDCFE"/>
+                </a:solidFill>
+                <a:effectLst/>
+                <a:latin typeface="Consolas" panose="020B0609020204030204" pitchFamily="49" charset="0"/>
+              </a:rPr>
+              <a:t>history</a:t>
+            </a:r>
+            <a:r>
+              <a:rPr lang="en-US" altLang="zh-CN" b="0" dirty="0">
+                <a:solidFill>
+                  <a:srgbClr val="D4D4D4"/>
+                </a:solidFill>
+                <a:effectLst/>
+                <a:latin typeface="Consolas" panose="020B0609020204030204" pitchFamily="49" charset="0"/>
+              </a:rPr>
+              <a:t>, </a:t>
+            </a:r>
+            <a:r>
+              <a:rPr lang="en-US" altLang="zh-CN" b="0" dirty="0" err="1">
+                <a:solidFill>
+                  <a:srgbClr val="9CDCFE"/>
+                </a:solidFill>
+                <a:effectLst/>
+                <a:latin typeface="Consolas" panose="020B0609020204030204" pitchFamily="49" charset="0"/>
+              </a:rPr>
+              <a:t>useLocation</a:t>
+            </a:r>
+            <a:r>
+              <a:rPr lang="en-US" altLang="zh-CN" b="0" dirty="0">
+                <a:solidFill>
+                  <a:srgbClr val="D4D4D4"/>
+                </a:solidFill>
+                <a:effectLst/>
+                <a:latin typeface="Consolas" panose="020B0609020204030204" pitchFamily="49" charset="0"/>
+              </a:rPr>
+              <a:t> } </a:t>
+            </a:r>
+            <a:r>
+              <a:rPr lang="en-US" altLang="zh-CN" b="0" dirty="0">
+                <a:solidFill>
+                  <a:srgbClr val="C586C0"/>
+                </a:solidFill>
+                <a:effectLst/>
+                <a:latin typeface="Consolas" panose="020B0609020204030204" pitchFamily="49" charset="0"/>
+              </a:rPr>
+              <a:t>from</a:t>
+            </a:r>
+            <a:r>
+              <a:rPr lang="en-US" altLang="zh-CN" b="0" dirty="0">
+                <a:solidFill>
+                  <a:srgbClr val="D4D4D4"/>
+                </a:solidFill>
+                <a:effectLst/>
+                <a:latin typeface="Consolas" panose="020B0609020204030204" pitchFamily="49" charset="0"/>
+              </a:rPr>
+              <a:t> </a:t>
+            </a:r>
+            <a:r>
+              <a:rPr lang="en-US" altLang="zh-CN" b="0" dirty="0">
+                <a:solidFill>
+                  <a:srgbClr val="CE9178"/>
+                </a:solidFill>
+                <a:effectLst/>
+                <a:latin typeface="Consolas" panose="020B0609020204030204" pitchFamily="49" charset="0"/>
+              </a:rPr>
+              <a:t>"</a:t>
+            </a:r>
+            <a:r>
+              <a:rPr lang="en-US" altLang="zh-CN" b="0" dirty="0" err="1">
+                <a:solidFill>
+                  <a:srgbClr val="CE9178"/>
+                </a:solidFill>
+                <a:effectLst/>
+                <a:latin typeface="Consolas" panose="020B0609020204030204" pitchFamily="49" charset="0"/>
+              </a:rPr>
+              <a:t>umi</a:t>
+            </a:r>
+            <a:r>
+              <a:rPr lang="en-US" altLang="zh-CN" b="0" dirty="0">
+                <a:solidFill>
+                  <a:srgbClr val="CE9178"/>
+                </a:solidFill>
+                <a:effectLst/>
+                <a:latin typeface="Consolas" panose="020B0609020204030204" pitchFamily="49" charset="0"/>
+              </a:rPr>
+              <a:t>"</a:t>
+            </a:r>
+            <a:r>
+              <a:rPr lang="en-US" altLang="zh-CN" b="0" dirty="0">
+                <a:solidFill>
+                  <a:srgbClr val="D4D4D4"/>
+                </a:solidFill>
+                <a:effectLst/>
+                <a:latin typeface="Consolas" panose="020B0609020204030204" pitchFamily="49" charset="0"/>
+              </a:rPr>
+              <a:t>;</a:t>
+            </a:r>
+            <a:endParaRPr lang="en-US" altLang="zh-CN" b="0" dirty="0">
+              <a:solidFill>
+                <a:srgbClr val="CCCCCC"/>
+              </a:solidFill>
+              <a:effectLst/>
+              <a:latin typeface="Consolas" panose="020B0609020204030204" pitchFamily="49" charset="0"/>
+            </a:endParaRPr>
+          </a:p>
+          <a:p>
+            <a:r>
+              <a:rPr lang="en-US" altLang="zh-CN" b="0" dirty="0">
+                <a:solidFill>
+                  <a:srgbClr val="CCCCCC"/>
+                </a:solidFill>
+                <a:effectLst/>
+                <a:latin typeface="Consolas" panose="020B0609020204030204" pitchFamily="49" charset="0"/>
+              </a:rPr>
+              <a:t>  </a:t>
+            </a:r>
+            <a:r>
+              <a:rPr lang="en-US" altLang="zh-CN" b="0" dirty="0">
+                <a:solidFill>
+                  <a:srgbClr val="569CD6"/>
+                </a:solidFill>
+                <a:effectLst/>
+                <a:latin typeface="Consolas" panose="020B0609020204030204" pitchFamily="49" charset="0"/>
+              </a:rPr>
+              <a:t>const</a:t>
+            </a:r>
+            <a:r>
+              <a:rPr lang="en-US" altLang="zh-CN" b="0" dirty="0">
+                <a:solidFill>
+                  <a:srgbClr val="D4D4D4"/>
+                </a:solidFill>
+                <a:effectLst/>
+                <a:latin typeface="Consolas" panose="020B0609020204030204" pitchFamily="49" charset="0"/>
+              </a:rPr>
+              <a:t> </a:t>
+            </a:r>
+            <a:r>
+              <a:rPr lang="en-US" altLang="zh-CN" b="0" dirty="0">
+                <a:solidFill>
+                  <a:srgbClr val="4FC1FF"/>
+                </a:solidFill>
+                <a:effectLst/>
+                <a:latin typeface="Consolas" panose="020B0609020204030204" pitchFamily="49" charset="0"/>
+              </a:rPr>
+              <a:t>location</a:t>
+            </a:r>
+            <a:r>
+              <a:rPr lang="en-US" altLang="zh-CN" b="0" dirty="0">
+                <a:solidFill>
+                  <a:srgbClr val="D4D4D4"/>
+                </a:solidFill>
+                <a:effectLst/>
+                <a:latin typeface="Consolas" panose="020B0609020204030204" pitchFamily="49" charset="0"/>
+              </a:rPr>
+              <a:t> = </a:t>
+            </a:r>
+            <a:r>
+              <a:rPr lang="en-US" altLang="zh-CN" b="0" dirty="0" err="1">
+                <a:solidFill>
+                  <a:srgbClr val="DCDCAA"/>
+                </a:solidFill>
+                <a:effectLst/>
+                <a:latin typeface="Consolas" panose="020B0609020204030204" pitchFamily="49" charset="0"/>
+              </a:rPr>
+              <a:t>useLocation</a:t>
+            </a:r>
+            <a:r>
+              <a:rPr lang="en-US" altLang="zh-CN" b="0" dirty="0">
+                <a:solidFill>
+                  <a:srgbClr val="D4D4D4"/>
+                </a:solidFill>
+                <a:effectLst/>
+                <a:latin typeface="Consolas" panose="020B0609020204030204" pitchFamily="49" charset="0"/>
+              </a:rPr>
+              <a:t>();</a:t>
+            </a:r>
+            <a:endParaRPr lang="en-US" altLang="zh-CN" b="0" dirty="0">
+              <a:solidFill>
+                <a:srgbClr val="CCCCCC"/>
+              </a:solidFill>
+              <a:effectLst/>
+              <a:latin typeface="Consolas" panose="020B0609020204030204" pitchFamily="49" charset="0"/>
+            </a:endParaRPr>
+          </a:p>
+          <a:p>
+            <a:r>
+              <a:rPr lang="en-US" altLang="zh-CN" b="0" dirty="0">
+                <a:solidFill>
+                  <a:srgbClr val="CCCCCC"/>
+                </a:solidFill>
+                <a:effectLst/>
+                <a:latin typeface="Consolas" panose="020B0609020204030204" pitchFamily="49" charset="0"/>
+              </a:rPr>
+              <a:t>  </a:t>
+            </a:r>
+            <a:r>
+              <a:rPr lang="en-US" altLang="zh-CN" b="0" dirty="0">
+                <a:solidFill>
+                  <a:srgbClr val="569CD6"/>
+                </a:solidFill>
+                <a:effectLst/>
+                <a:latin typeface="Consolas" panose="020B0609020204030204" pitchFamily="49" charset="0"/>
+              </a:rPr>
+              <a:t>const</a:t>
+            </a:r>
+            <a:r>
+              <a:rPr lang="en-US" altLang="zh-CN" b="0" dirty="0">
+                <a:solidFill>
+                  <a:srgbClr val="D4D4D4"/>
+                </a:solidFill>
+                <a:effectLst/>
+                <a:latin typeface="Consolas" panose="020B0609020204030204" pitchFamily="49" charset="0"/>
+              </a:rPr>
+              <a:t> </a:t>
+            </a:r>
+            <a:r>
+              <a:rPr lang="en-US" altLang="zh-CN" b="0" dirty="0">
+                <a:solidFill>
+                  <a:srgbClr val="4FC1FF"/>
+                </a:solidFill>
+                <a:effectLst/>
+                <a:latin typeface="Consolas" panose="020B0609020204030204" pitchFamily="49" charset="0"/>
+              </a:rPr>
+              <a:t>query</a:t>
+            </a:r>
+            <a:r>
+              <a:rPr lang="en-US" altLang="zh-CN" b="0" dirty="0">
+                <a:solidFill>
+                  <a:srgbClr val="D4D4D4"/>
+                </a:solidFill>
+                <a:effectLst/>
+                <a:latin typeface="Consolas" panose="020B0609020204030204" pitchFamily="49" charset="0"/>
+              </a:rPr>
+              <a:t>: {</a:t>
+            </a:r>
+            <a:endParaRPr lang="en-US" altLang="zh-CN" b="0" dirty="0">
+              <a:solidFill>
+                <a:srgbClr val="CCCCCC"/>
+              </a:solidFill>
+              <a:effectLst/>
+              <a:latin typeface="Consolas" panose="020B0609020204030204" pitchFamily="49" charset="0"/>
+            </a:endParaRPr>
+          </a:p>
+          <a:p>
+            <a:r>
+              <a:rPr lang="en-US" altLang="zh-CN" b="0" dirty="0">
+                <a:solidFill>
+                  <a:srgbClr val="CCCCCC"/>
+                </a:solidFill>
+                <a:effectLst/>
+                <a:latin typeface="Consolas" panose="020B0609020204030204" pitchFamily="49" charset="0"/>
+              </a:rPr>
+              <a:t>    </a:t>
+            </a:r>
+            <a:r>
+              <a:rPr lang="en-US" altLang="zh-CN" b="0" dirty="0">
+                <a:solidFill>
+                  <a:srgbClr val="9CDCFE"/>
+                </a:solidFill>
+                <a:effectLst/>
+                <a:latin typeface="Consolas" panose="020B0609020204030204" pitchFamily="49" charset="0"/>
+              </a:rPr>
+              <a:t>title</a:t>
+            </a:r>
+            <a:r>
+              <a:rPr lang="en-US" altLang="zh-CN" b="0" dirty="0">
+                <a:solidFill>
+                  <a:srgbClr val="D4D4D4"/>
+                </a:solidFill>
+                <a:effectLst/>
+                <a:latin typeface="Consolas" panose="020B0609020204030204" pitchFamily="49" charset="0"/>
+              </a:rPr>
+              <a:t>?: </a:t>
+            </a:r>
+            <a:r>
+              <a:rPr lang="en-US" altLang="zh-CN" b="0" dirty="0">
+                <a:solidFill>
+                  <a:srgbClr val="4EC9B0"/>
+                </a:solidFill>
+                <a:effectLst/>
+                <a:latin typeface="Consolas" panose="020B0609020204030204" pitchFamily="49" charset="0"/>
+              </a:rPr>
+              <a:t>string</a:t>
+            </a:r>
+            <a:r>
+              <a:rPr lang="en-US" altLang="zh-CN" b="0" dirty="0">
+                <a:solidFill>
+                  <a:srgbClr val="D4D4D4"/>
+                </a:solidFill>
+                <a:effectLst/>
+                <a:latin typeface="Consolas" panose="020B0609020204030204" pitchFamily="49" charset="0"/>
+              </a:rPr>
+              <a:t>;</a:t>
+            </a:r>
+            <a:endParaRPr lang="en-US" altLang="zh-CN" b="0" dirty="0">
+              <a:solidFill>
+                <a:srgbClr val="CCCCCC"/>
+              </a:solidFill>
+              <a:effectLst/>
+              <a:latin typeface="Consolas" panose="020B0609020204030204" pitchFamily="49" charset="0"/>
+            </a:endParaRPr>
+          </a:p>
+          <a:p>
+            <a:r>
+              <a:rPr lang="en-US" altLang="zh-CN" b="0" dirty="0">
+                <a:solidFill>
+                  <a:srgbClr val="CCCCCC"/>
+                </a:solidFill>
+                <a:effectLst/>
+                <a:latin typeface="Consolas" panose="020B0609020204030204" pitchFamily="49" charset="0"/>
+              </a:rPr>
+              <a:t>  </a:t>
+            </a:r>
+            <a:r>
+              <a:rPr lang="en-US" altLang="zh-CN" b="0" dirty="0">
+                <a:solidFill>
+                  <a:srgbClr val="D4D4D4"/>
+                </a:solidFill>
+                <a:effectLst/>
+                <a:latin typeface="Consolas" panose="020B0609020204030204" pitchFamily="49" charset="0"/>
+              </a:rPr>
+              <a:t>} = </a:t>
+            </a:r>
+            <a:r>
+              <a:rPr lang="en-US" altLang="zh-CN" b="0" dirty="0" err="1">
+                <a:solidFill>
+                  <a:srgbClr val="9CDCFE"/>
+                </a:solidFill>
+                <a:effectLst/>
+                <a:latin typeface="Consolas" panose="020B0609020204030204" pitchFamily="49" charset="0"/>
+              </a:rPr>
+              <a:t>qs</a:t>
+            </a:r>
+            <a:r>
+              <a:rPr lang="en-US" altLang="zh-CN" b="0" dirty="0" err="1">
+                <a:solidFill>
+                  <a:srgbClr val="D4D4D4"/>
+                </a:solidFill>
+                <a:effectLst/>
+                <a:latin typeface="Consolas" panose="020B0609020204030204" pitchFamily="49" charset="0"/>
+              </a:rPr>
+              <a:t>.</a:t>
+            </a:r>
+            <a:r>
+              <a:rPr lang="en-US" altLang="zh-CN" b="0" dirty="0" err="1">
+                <a:solidFill>
+                  <a:srgbClr val="DCDCAA"/>
+                </a:solidFill>
+                <a:effectLst/>
+                <a:latin typeface="Consolas" panose="020B0609020204030204" pitchFamily="49" charset="0"/>
+              </a:rPr>
+              <a:t>parse</a:t>
+            </a:r>
+            <a:r>
+              <a:rPr lang="en-US" altLang="zh-CN" b="0" dirty="0">
+                <a:solidFill>
+                  <a:srgbClr val="D4D4D4"/>
+                </a:solidFill>
+                <a:effectLst/>
+                <a:latin typeface="Consolas" panose="020B0609020204030204" pitchFamily="49" charset="0"/>
+              </a:rPr>
+              <a:t>(</a:t>
+            </a:r>
+            <a:r>
+              <a:rPr lang="en-US" altLang="zh-CN" b="0" dirty="0" err="1">
+                <a:solidFill>
+                  <a:srgbClr val="9CDCFE"/>
+                </a:solidFill>
+                <a:effectLst/>
+                <a:latin typeface="Consolas" panose="020B0609020204030204" pitchFamily="49" charset="0"/>
+              </a:rPr>
+              <a:t>location</a:t>
+            </a:r>
+            <a:r>
+              <a:rPr lang="en-US" altLang="zh-CN" b="0" dirty="0" err="1">
+                <a:solidFill>
+                  <a:srgbClr val="D4D4D4"/>
+                </a:solidFill>
+                <a:effectLst/>
+                <a:latin typeface="Consolas" panose="020B0609020204030204" pitchFamily="49" charset="0"/>
+              </a:rPr>
+              <a:t>.</a:t>
+            </a:r>
+            <a:r>
+              <a:rPr lang="en-US" altLang="zh-CN" b="0" dirty="0" err="1">
+                <a:solidFill>
+                  <a:srgbClr val="9CDCFE"/>
+                </a:solidFill>
+                <a:effectLst/>
+                <a:latin typeface="Consolas" panose="020B0609020204030204" pitchFamily="49" charset="0"/>
+              </a:rPr>
+              <a:t>search</a:t>
+            </a:r>
+            <a:r>
+              <a:rPr lang="en-US" altLang="zh-CN" b="0" dirty="0" err="1">
+                <a:solidFill>
+                  <a:srgbClr val="D4D4D4"/>
+                </a:solidFill>
+                <a:effectLst/>
+                <a:latin typeface="Consolas" panose="020B0609020204030204" pitchFamily="49" charset="0"/>
+              </a:rPr>
+              <a:t>.</a:t>
+            </a:r>
+            <a:r>
+              <a:rPr lang="en-US" altLang="zh-CN" b="0" dirty="0" err="1">
+                <a:solidFill>
+                  <a:srgbClr val="DCDCAA"/>
+                </a:solidFill>
+                <a:effectLst/>
+                <a:latin typeface="Consolas" panose="020B0609020204030204" pitchFamily="49" charset="0"/>
+              </a:rPr>
+              <a:t>substring</a:t>
+            </a:r>
+            <a:r>
+              <a:rPr lang="en-US" altLang="zh-CN" b="0" dirty="0">
+                <a:solidFill>
+                  <a:srgbClr val="D4D4D4"/>
+                </a:solidFill>
+                <a:effectLst/>
+                <a:latin typeface="Consolas" panose="020B0609020204030204" pitchFamily="49" charset="0"/>
+              </a:rPr>
+              <a:t>(</a:t>
+            </a:r>
+            <a:r>
+              <a:rPr lang="en-US" altLang="zh-CN" b="0" dirty="0">
+                <a:solidFill>
+                  <a:srgbClr val="B5CEA8"/>
+                </a:solidFill>
+                <a:effectLst/>
+                <a:latin typeface="Consolas" panose="020B0609020204030204" pitchFamily="49" charset="0"/>
+              </a:rPr>
+              <a:t>1</a:t>
+            </a:r>
+            <a:r>
+              <a:rPr lang="en-US" altLang="zh-CN" b="0" dirty="0">
+                <a:solidFill>
+                  <a:srgbClr val="D4D4D4"/>
+                </a:solidFill>
+                <a:effectLst/>
+                <a:latin typeface="Consolas" panose="020B0609020204030204" pitchFamily="49" charset="0"/>
+              </a:rPr>
+              <a:t>));</a:t>
+            </a:r>
+            <a:endParaRPr lang="en-US" altLang="zh-CN" b="0" dirty="0">
+              <a:solidFill>
+                <a:srgbClr val="CCCCCC"/>
+              </a:solidFill>
+              <a:effectLst/>
+              <a:latin typeface="Consolas" panose="020B0609020204030204" pitchFamily="49" charset="0"/>
+            </a:endParaRPr>
+          </a:p>
+          <a:p>
+            <a:endParaRPr lang="en-US" altLang="zh-CN" dirty="0"/>
+          </a:p>
+          <a:p>
+            <a:endParaRPr lang="en-US" altLang="zh-CN" dirty="0"/>
+          </a:p>
+          <a:p>
+            <a:endParaRPr lang="en-US" altLang="zh-CN" dirty="0"/>
+          </a:p>
+          <a:p>
+            <a:endParaRPr lang="en-US" altLang="zh-CN" dirty="0"/>
+          </a:p>
+          <a:p>
+            <a:endParaRPr lang="en-US" altLang="zh-CN" dirty="0"/>
+          </a:p>
+          <a:p>
+            <a:endParaRPr lang="en-US" altLang="zh-CN" dirty="0"/>
+          </a:p>
+          <a:p>
+            <a:endParaRPr lang="en-US" altLang="zh-CN" dirty="0"/>
+          </a:p>
+          <a:p>
+            <a:endParaRPr lang="en-US" altLang="zh-CN" dirty="0"/>
+          </a:p>
+          <a:p>
+            <a:endParaRPr lang="en-US" altLang="zh-CN" dirty="0"/>
+          </a:p>
+          <a:p>
+            <a:endParaRPr lang="en-US" altLang="zh-CN" dirty="0"/>
+          </a:p>
+          <a:p>
+            <a:endParaRPr lang="en-US" altLang="zh-CN" dirty="0"/>
+          </a:p>
+          <a:p>
+            <a:endParaRPr lang="en-US" altLang="zh-CN" dirty="0"/>
+          </a:p>
+          <a:p>
+            <a:endParaRPr lang="zh-CN" altLang="en-US" dirty="0"/>
+          </a:p>
+          <a:p>
+            <a:pPr marL="285750" indent="-285750">
+              <a:buFont typeface="Arial" panose="020B0604020202020204" pitchFamily="34" charset="0"/>
+              <a:buChar char="•"/>
+            </a:pPr>
+            <a:endParaRPr lang="en-US" altLang="zh-CN" dirty="0"/>
+          </a:p>
+          <a:p>
+            <a:endParaRPr lang="en-US" altLang="zh-CN" dirty="0"/>
+          </a:p>
+          <a:p>
+            <a:endParaRPr lang="en-US" altLang="zh-CN" dirty="0"/>
+          </a:p>
+          <a:p>
+            <a:endParaRPr lang="zh-CN" altLang="en-US" dirty="0"/>
           </a:p>
         </p:txBody>
       </p:sp>
     </p:spTree>
+    <p:extLst>
+      <p:ext uri="{BB962C8B-B14F-4D97-AF65-F5344CB8AC3E}">
+        <p14:creationId xmlns:p14="http://schemas.microsoft.com/office/powerpoint/2010/main" val="1753978358"/>
+      </p:ext>
+    </p:extLst>
   </p:cSld>
   <p:clrMapOvr>
     <a:masterClrMapping/>
@@ -9313,20 +10695,12 @@
           <a:lstStyle/>
           <a:p>
             <a:r>
-              <a:rPr lang="zh-CN" altLang="en-US" sz="2400" b="1" dirty="0">
-                <a:solidFill>
-                  <a:schemeClr val="tx1"/>
-                </a:solidFill>
-              </a:rPr>
-              <a:t>实践演练</a:t>
-            </a:r>
-            <a:r>
-              <a:rPr lang="en-US" altLang="zh-CN" sz="2400" b="1" dirty="0">
-                <a:solidFill>
-                  <a:schemeClr val="tx1"/>
-                </a:solidFill>
-              </a:rPr>
-              <a:t>2</a:t>
+              <a:rPr lang="en-US" altLang="zh-CN" dirty="0"/>
+              <a:t>React</a:t>
+            </a:r>
+            <a:r>
+              <a:rPr lang="zh-CN" altLang="en-US" dirty="0"/>
+              <a:t>进阶</a:t>
             </a:r>
             <a:endParaRPr lang="zh-CN" altLang="en-US" sz="2400" b="1" dirty="0">
               <a:solidFill>
@@ -9338,10 +10712,10 @@
       </p:sp>
       <p:sp>
         <p:nvSpPr>
-          <p:cNvPr id="4" name="文本框 3">
+          <p:cNvPr id="3" name="文本框 2">
             <a:extLst>
               <a:ext uri="{FF2B5EF4-FFF2-40B4-BE49-F238E27FC236}">
-                <a16:creationId xmlns:a16="http://schemas.microsoft.com/office/drawing/2014/main" id="{F7E3F668-EE69-6E63-DADB-FEAC0EC47563}"/>
+                <a16:creationId xmlns:a16="http://schemas.microsoft.com/office/drawing/2014/main" id="{2D8317DA-A896-C16B-5BC0-C4A9FD1F7426}"/>
               </a:ext>
             </a:extLst>
           </p:cNvPr>
@@ -9350,8 +10724,8 @@
         </p:nvSpPr>
         <p:spPr>
           <a:xfrm>
-            <a:off x="657616" y="970767"/>
-            <a:ext cx="3914384" cy="369332"/>
+            <a:off x="401351" y="603746"/>
+            <a:ext cx="8348079" cy="7017306"/>
           </a:xfrm>
           <a:prstGeom prst="rect">
             <a:avLst/>
@@ -9365,21 +10739,248 @@
           <a:lstStyle/>
           <a:p>
             <a:r>
-              <a:rPr lang="zh-CN" altLang="en-US" dirty="0"/>
-              <a:t>移步代码</a:t>
-            </a:r>
-            <a:r>
-              <a:rPr lang="en-US" altLang="zh-CN" dirty="0"/>
-              <a:t>TodoList2</a:t>
-            </a:r>
-            <a:r>
-              <a:rPr lang="zh-CN" altLang="en-US" dirty="0"/>
-              <a:t>案例</a:t>
-            </a:r>
-            <a:r>
-              <a:rPr lang="en-US" altLang="zh-CN" dirty="0"/>
-              <a:t>[2]</a:t>
-            </a:r>
+              <a:rPr lang="en-US" altLang="zh-CN" dirty="0"/>
+              <a:t>3</a:t>
+            </a:r>
+            <a:r>
+              <a:rPr lang="zh-CN" altLang="en-US" dirty="0"/>
+              <a:t>、路由 </a:t>
+            </a:r>
+            <a:endParaRPr lang="en-US" altLang="zh-CN" dirty="0"/>
+          </a:p>
+          <a:p>
+            <a:r>
+              <a:rPr lang="en-US" altLang="zh-CN" dirty="0"/>
+              <a:t>                              </a:t>
+            </a:r>
+          </a:p>
+          <a:p>
+            <a:r>
+              <a:rPr lang="zh-CN" altLang="en-US" dirty="0"/>
+              <a:t>路由回退：</a:t>
+            </a:r>
+            <a:endParaRPr lang="en-US" altLang="zh-CN" dirty="0"/>
+          </a:p>
+          <a:p>
+            <a:endParaRPr lang="en-US" altLang="zh-CN" dirty="0"/>
+          </a:p>
+          <a:p>
+            <a:r>
+              <a:rPr lang="en-US" altLang="zh-CN" b="0" dirty="0">
+                <a:solidFill>
+                  <a:srgbClr val="C586C0"/>
+                </a:solidFill>
+                <a:effectLst/>
+                <a:latin typeface="Consolas" panose="020B0609020204030204" pitchFamily="49" charset="0"/>
+              </a:rPr>
+              <a:t>import</a:t>
+            </a:r>
+            <a:r>
+              <a:rPr lang="en-US" altLang="zh-CN" b="0" dirty="0">
+                <a:solidFill>
+                  <a:srgbClr val="D4D4D4"/>
+                </a:solidFill>
+                <a:effectLst/>
+                <a:latin typeface="Consolas" panose="020B0609020204030204" pitchFamily="49" charset="0"/>
+              </a:rPr>
+              <a:t> { </a:t>
+            </a:r>
+            <a:r>
+              <a:rPr lang="en-US" altLang="zh-CN" b="0" dirty="0">
+                <a:solidFill>
+                  <a:srgbClr val="9CDCFE"/>
+                </a:solidFill>
+                <a:effectLst/>
+                <a:latin typeface="Consolas" panose="020B0609020204030204" pitchFamily="49" charset="0"/>
+              </a:rPr>
+              <a:t>history</a:t>
+            </a:r>
+            <a:r>
+              <a:rPr lang="en-US" altLang="zh-CN" b="0" dirty="0">
+                <a:solidFill>
+                  <a:srgbClr val="D4D4D4"/>
+                </a:solidFill>
+                <a:effectLst/>
+                <a:latin typeface="Consolas" panose="020B0609020204030204" pitchFamily="49" charset="0"/>
+              </a:rPr>
+              <a:t> } </a:t>
+            </a:r>
+            <a:r>
+              <a:rPr lang="en-US" altLang="zh-CN" b="0" dirty="0">
+                <a:solidFill>
+                  <a:srgbClr val="C586C0"/>
+                </a:solidFill>
+                <a:effectLst/>
+                <a:latin typeface="Consolas" panose="020B0609020204030204" pitchFamily="49" charset="0"/>
+              </a:rPr>
+              <a:t>from</a:t>
+            </a:r>
+            <a:r>
+              <a:rPr lang="en-US" altLang="zh-CN" b="0" dirty="0">
+                <a:solidFill>
+                  <a:srgbClr val="D4D4D4"/>
+                </a:solidFill>
+                <a:effectLst/>
+                <a:latin typeface="Consolas" panose="020B0609020204030204" pitchFamily="49" charset="0"/>
+              </a:rPr>
+              <a:t> </a:t>
+            </a:r>
+            <a:r>
+              <a:rPr lang="en-US" altLang="zh-CN" b="0" dirty="0">
+                <a:solidFill>
+                  <a:srgbClr val="CE9178"/>
+                </a:solidFill>
+                <a:effectLst/>
+                <a:latin typeface="Consolas" panose="020B0609020204030204" pitchFamily="49" charset="0"/>
+              </a:rPr>
+              <a:t>"</a:t>
+            </a:r>
+            <a:r>
+              <a:rPr lang="en-US" altLang="zh-CN" b="0" dirty="0" err="1">
+                <a:solidFill>
+                  <a:srgbClr val="CE9178"/>
+                </a:solidFill>
+                <a:effectLst/>
+                <a:latin typeface="Consolas" panose="020B0609020204030204" pitchFamily="49" charset="0"/>
+              </a:rPr>
+              <a:t>umi</a:t>
+            </a:r>
+            <a:r>
+              <a:rPr lang="en-US" altLang="zh-CN" b="0" dirty="0">
+                <a:solidFill>
+                  <a:srgbClr val="CE9178"/>
+                </a:solidFill>
+                <a:effectLst/>
+                <a:latin typeface="Consolas" panose="020B0609020204030204" pitchFamily="49" charset="0"/>
+              </a:rPr>
+              <a:t>"</a:t>
+            </a:r>
+            <a:r>
+              <a:rPr lang="en-US" altLang="zh-CN" b="0" dirty="0">
+                <a:solidFill>
+                  <a:srgbClr val="D4D4D4"/>
+                </a:solidFill>
+                <a:effectLst/>
+                <a:latin typeface="Consolas" panose="020B0609020204030204" pitchFamily="49" charset="0"/>
+              </a:rPr>
+              <a:t>;</a:t>
+            </a:r>
+            <a:endParaRPr lang="en-US" altLang="zh-CN" b="0" dirty="0">
+              <a:solidFill>
+                <a:srgbClr val="CCCCCC"/>
+              </a:solidFill>
+              <a:effectLst/>
+              <a:latin typeface="Consolas" panose="020B0609020204030204" pitchFamily="49" charset="0"/>
+            </a:endParaRPr>
+          </a:p>
+          <a:p>
+            <a:r>
+              <a:rPr lang="en-US" altLang="zh-CN" b="0" dirty="0" err="1">
+                <a:solidFill>
+                  <a:srgbClr val="9CDCFE"/>
+                </a:solidFill>
+                <a:effectLst/>
+                <a:latin typeface="Consolas" panose="020B0609020204030204" pitchFamily="49" charset="0"/>
+              </a:rPr>
+              <a:t>history</a:t>
+            </a:r>
+            <a:r>
+              <a:rPr lang="en-US" altLang="zh-CN" b="0" dirty="0" err="1">
+                <a:solidFill>
+                  <a:srgbClr val="D4D4D4"/>
+                </a:solidFill>
+                <a:effectLst/>
+                <a:latin typeface="Consolas" panose="020B0609020204030204" pitchFamily="49" charset="0"/>
+              </a:rPr>
+              <a:t>.</a:t>
+            </a:r>
+            <a:r>
+              <a:rPr lang="en-US" altLang="zh-CN" b="0" dirty="0" err="1">
+                <a:solidFill>
+                  <a:srgbClr val="DCDCAA"/>
+                </a:solidFill>
+                <a:effectLst/>
+                <a:latin typeface="Consolas" panose="020B0609020204030204" pitchFamily="49" charset="0"/>
+              </a:rPr>
+              <a:t>back</a:t>
+            </a:r>
+            <a:r>
+              <a:rPr lang="en-US" altLang="zh-CN" b="0" dirty="0">
+                <a:solidFill>
+                  <a:srgbClr val="D4D4D4"/>
+                </a:solidFill>
+                <a:effectLst/>
+                <a:latin typeface="Consolas" panose="020B0609020204030204" pitchFamily="49" charset="0"/>
+              </a:rPr>
+              <a:t>();</a:t>
+            </a:r>
+            <a:endParaRPr lang="en-US" altLang="zh-CN" b="0" dirty="0">
+              <a:solidFill>
+                <a:srgbClr val="CCCCCC"/>
+              </a:solidFill>
+              <a:effectLst/>
+              <a:latin typeface="Consolas" panose="020B0609020204030204" pitchFamily="49" charset="0"/>
+            </a:endParaRPr>
+          </a:p>
+          <a:p>
+            <a:endParaRPr lang="en-US" altLang="zh-CN" dirty="0"/>
+          </a:p>
+          <a:p>
+            <a:endParaRPr lang="en-US" altLang="zh-CN" dirty="0"/>
+          </a:p>
+          <a:p>
+            <a:endParaRPr lang="en-US" altLang="zh-CN" dirty="0"/>
+          </a:p>
+          <a:p>
+            <a:endParaRPr lang="en-US" altLang="zh-CN" dirty="0"/>
+          </a:p>
+          <a:p>
+            <a:endParaRPr lang="en-US" altLang="zh-CN" dirty="0"/>
+          </a:p>
+          <a:p>
+            <a:endParaRPr lang="en-US" altLang="zh-CN" dirty="0"/>
+          </a:p>
+          <a:p>
+            <a:endParaRPr lang="en-US" altLang="zh-CN" dirty="0"/>
+          </a:p>
+          <a:p>
+            <a:endParaRPr lang="en-US" altLang="zh-CN" dirty="0"/>
+          </a:p>
+          <a:p>
+            <a:endParaRPr lang="en-US" altLang="zh-CN" dirty="0"/>
+          </a:p>
+          <a:p>
+            <a:endParaRPr lang="en-US" altLang="zh-CN" dirty="0"/>
+          </a:p>
+          <a:p>
+            <a:endParaRPr lang="en-US" altLang="zh-CN" dirty="0"/>
+          </a:p>
+          <a:p>
+            <a:endParaRPr lang="en-US" altLang="zh-CN" dirty="0"/>
+          </a:p>
+          <a:p>
+            <a:endParaRPr lang="en-US" altLang="zh-CN" dirty="0"/>
+          </a:p>
+          <a:p>
+            <a:endParaRPr lang="en-US" altLang="zh-CN" dirty="0"/>
+          </a:p>
+          <a:p>
+            <a:endParaRPr lang="zh-CN" altLang="en-US" dirty="0"/>
+          </a:p>
+          <a:p>
+            <a:pPr marL="285750" indent="-285750">
+              <a:buFont typeface="Arial" panose="020B0604020202020204" pitchFamily="34" charset="0"/>
+              <a:buChar char="•"/>
+            </a:pPr>
+            <a:endParaRPr lang="en-US" altLang="zh-CN" dirty="0"/>
+          </a:p>
+          <a:p>
+            <a:endParaRPr lang="en-US" altLang="zh-CN" dirty="0"/>
+          </a:p>
+          <a:p>
+            <a:endParaRPr lang="en-US" altLang="zh-CN" dirty="0"/>
+          </a:p>
+          <a:p>
             <a:endParaRPr lang="zh-CN" altLang="en-US" dirty="0"/>
           </a:p>
         </p:txBody>
@@ -9387,7 +10988,7 @@
     </p:spTree>
     <p:extLst>
       <p:ext uri="{BB962C8B-B14F-4D97-AF65-F5344CB8AC3E}">
-        <p14:creationId xmlns:p14="http://schemas.microsoft.com/office/powerpoint/2010/main" val="2925212786"/>
+        <p14:creationId xmlns:p14="http://schemas.microsoft.com/office/powerpoint/2010/main" val="1163862899"/>
       </p:ext>
     </p:extLst>
   </p:cSld>
@@ -9422,8 +11023,8 @@
         </p:nvSpPr>
         <p:spPr>
           <a:xfrm>
-            <a:off x="1452369" y="2251392"/>
-            <a:ext cx="1773242" cy="1862048"/>
+            <a:off x="1455575" y="2251392"/>
+            <a:ext cx="1766830" cy="1862048"/>
           </a:xfrm>
           <a:prstGeom prst="rect">
             <a:avLst/>
@@ -9444,7 +11045,7 @@
                 </a:solidFill>
                 <a:latin typeface="Impact" panose="020B0806030902050204" pitchFamily="34" charset="0"/>
               </a:rPr>
-              <a:t>06</a:t>
+              <a:t>05</a:t>
             </a:r>
           </a:p>
         </p:txBody>
@@ -9457,8 +11058,8 @@
         </p:nvSpPr>
         <p:spPr>
           <a:xfrm>
-            <a:off x="3225800" y="2160270"/>
-            <a:ext cx="5217160" cy="1753235"/>
+            <a:off x="3226435" y="2465070"/>
+            <a:ext cx="4900295" cy="1014730"/>
           </a:xfrm>
           <a:prstGeom prst="rect">
             <a:avLst/>
@@ -9477,31 +11078,34 @@
           <a:lstStyle/>
           <a:p>
             <a:r>
-              <a:rPr lang="en-US" altLang="zh-CN" sz="5400" b="1" dirty="0" err="1"/>
-              <a:t>Ant</a:t>
-            </a:r>
-            <a:r>
-              <a:rPr lang="en-US" altLang="zh-CN" sz="5400" b="1" dirty="0"/>
-              <a:t> Design &amp; Procomponent</a:t>
-            </a:r>
-            <a:endParaRPr lang="zh-CN" altLang="en-US" sz="5400" b="1" dirty="0">
-              <a:solidFill>
-                <a:schemeClr val="tx1"/>
-              </a:solidFill>
-            </a:endParaRPr>
-          </a:p>
-        </p:txBody>
-      </p:sp>
-      <p:sp>
-        <p:nvSpPr>
-          <p:cNvPr id="2" name="文本框 1"/>
+              <a:rPr lang="zh-CN" altLang="en-US" sz="6000" b="1" dirty="0">
+                <a:solidFill>
+                  <a:schemeClr val="tx1"/>
+                </a:solidFill>
+              </a:rPr>
+              <a:t>实践演练</a:t>
+            </a:r>
+            <a:r>
+              <a:rPr lang="en-US" altLang="zh-CN" sz="6000" b="1" dirty="0">
+                <a:solidFill>
+                  <a:schemeClr val="tx1"/>
+                </a:solidFill>
+              </a:rPr>
+              <a:t>2</a:t>
+            </a:r>
+          </a:p>
+        </p:txBody>
+      </p:sp>
+      <p:sp>
+        <p:nvSpPr>
+          <p:cNvPr id="3" name="文本框 2"/>
           <p:cNvSpPr txBox="1"/>
           <p:nvPr/>
         </p:nvSpPr>
         <p:spPr>
           <a:xfrm>
-            <a:off x="3225611" y="3913505"/>
-            <a:ext cx="4872136" cy="923330"/>
+            <a:off x="2929842" y="3562638"/>
+            <a:ext cx="4574892" cy="646331"/>
           </a:xfrm>
           <a:prstGeom prst="rect">
             <a:avLst/>
@@ -9524,53 +11128,16 @@
                   <a:schemeClr val="bg2"/>
                 </a:solidFill>
               </a:rPr>
-              <a:t>文档阅读，</a:t>
-            </a:r>
-            <a:r>
-              <a:rPr lang="en-US" altLang="zh-CN" dirty="0" err="1">
+              <a:t>组件复用场景</a:t>
+            </a:r>
+            <a:r>
+              <a:rPr lang="en-US" altLang="zh-CN" dirty="0">
                 <a:solidFill>
                   <a:schemeClr val="bg2"/>
                 </a:solidFill>
               </a:rPr>
-              <a:t>Antd</a:t>
-            </a:r>
-            <a:r>
-              <a:rPr lang="en-US" altLang="zh-CN" dirty="0">
-                <a:solidFill>
-                  <a:schemeClr val="bg2"/>
-                </a:solidFill>
-              </a:rPr>
-              <a:t> Design</a:t>
-            </a:r>
-            <a:r>
-              <a:rPr lang="zh-CN" altLang="en-US" dirty="0">
-                <a:solidFill>
-                  <a:schemeClr val="bg2"/>
-                </a:solidFill>
-              </a:rPr>
-              <a:t>与</a:t>
-            </a:r>
-            <a:r>
-              <a:rPr lang="en-US" altLang="zh-CN" dirty="0" err="1">
-                <a:solidFill>
-                  <a:schemeClr val="bg2"/>
-                </a:solidFill>
-              </a:rPr>
-              <a:t>ProComponent</a:t>
-            </a:r>
-            <a:r>
-              <a:rPr lang="zh-CN" altLang="en-US" dirty="0">
-                <a:solidFill>
-                  <a:schemeClr val="bg2"/>
-                </a:solidFill>
-              </a:rPr>
-              <a:t>的关系</a:t>
-            </a:r>
-            <a:endParaRPr lang="en-US" altLang="zh-CN" dirty="0">
-              <a:solidFill>
-                <a:schemeClr val="bg2"/>
-              </a:solidFill>
-            </a:endParaRPr>
+              <a:t>[1]</a:t>
+            </a:r>
           </a:p>
           <a:p>
             <a:pPr marL="742950" lvl="1" indent="-285750">
@@ -9583,7 +11150,7 @@
                   <a:schemeClr val="bg2"/>
                 </a:solidFill>
               </a:rPr>
-              <a:t>实践演练</a:t>
+              <a:t>模拟路由跳转</a:t>
             </a:r>
           </a:p>
         </p:txBody>
@@ -9629,20 +11196,20 @@
           <a:lstStyle/>
           <a:p>
             <a:r>
+              <a:rPr lang="zh-CN" altLang="en-US" sz="2400" b="1" dirty="0">
+                <a:solidFill>
+                  <a:schemeClr val="tx1"/>
+                </a:solidFill>
+              </a:rPr>
+              <a:t>实践演练</a:t>
+            </a:r>
+            <a:r>
               <a:rPr lang="en-US" altLang="zh-CN" sz="2400" b="1" dirty="0">
-                <a:hlinkClick r:id="rId3"/>
-              </a:rPr>
-              <a:t>Ant Design </a:t>
-            </a:r>
-            <a:r>
-              <a:rPr lang="en-US" altLang="zh-CN" sz="2400" b="1" dirty="0"/>
-              <a:t>&amp; </a:t>
-            </a:r>
-            <a:r>
-              <a:rPr lang="en-US" altLang="zh-CN" sz="2400" b="1" dirty="0" err="1">
-                <a:hlinkClick r:id="rId4"/>
-              </a:rPr>
-              <a:t>Procomponent</a:t>
+                <a:solidFill>
+                  <a:schemeClr val="tx1"/>
+                </a:solidFill>
+              </a:rPr>
+              <a:t>2</a:t>
             </a:r>
             <a:endParaRPr lang="zh-CN" altLang="en-US" sz="2400" b="1" dirty="0">
               <a:solidFill>
@@ -9654,10 +11221,10 @@
       </p:sp>
       <p:sp>
         <p:nvSpPr>
-          <p:cNvPr id="5" name="文本框 4">
+          <p:cNvPr id="4" name="文本框 3">
             <a:extLst>
               <a:ext uri="{FF2B5EF4-FFF2-40B4-BE49-F238E27FC236}">
-                <a16:creationId xmlns:a16="http://schemas.microsoft.com/office/drawing/2014/main" id="{C8C11884-A39D-5F01-183C-A1A8DA67C5C9}"/>
+                <a16:creationId xmlns:a16="http://schemas.microsoft.com/office/drawing/2014/main" id="{F7E3F668-EE69-6E63-DADB-FEAC0EC47563}"/>
               </a:ext>
             </a:extLst>
           </p:cNvPr>
@@ -9666,8 +11233,8 @@
         </p:nvSpPr>
         <p:spPr>
           <a:xfrm>
-            <a:off x="451961" y="958241"/>
-            <a:ext cx="8097053" cy="5632311"/>
+            <a:off x="657616" y="970767"/>
+            <a:ext cx="3914384" cy="369332"/>
           </a:xfrm>
           <a:prstGeom prst="rect">
             <a:avLst/>
@@ -9681,186 +11248,21 @@
           <a:lstStyle/>
           <a:p>
             <a:r>
-              <a:rPr lang="en-US" altLang="zh-CN" dirty="0"/>
-              <a:t>1</a:t>
-            </a:r>
-            <a:r>
-              <a:rPr lang="zh-CN" altLang="en-US" dirty="0"/>
-              <a:t>、文档阅读：</a:t>
-            </a:r>
-            <a:r>
-              <a:rPr lang="en-US" altLang="zh-CN" dirty="0"/>
-              <a:t> </a:t>
-            </a:r>
-            <a:r>
-              <a:rPr lang="en-US" altLang="zh-CN" dirty="0">
-                <a:hlinkClick r:id="rId5"/>
-              </a:rPr>
-              <a:t>https://ant-design.antgroup.com/docs/react/getting-started-cn</a:t>
-            </a:r>
-            <a:endParaRPr lang="en-US" altLang="zh-CN" dirty="0"/>
-          </a:p>
-          <a:p>
-            <a:endParaRPr lang="en-US" altLang="zh-CN" dirty="0"/>
-          </a:p>
-          <a:p>
-            <a:endParaRPr lang="en-US" altLang="zh-CN" dirty="0"/>
-          </a:p>
-          <a:p>
-            <a:endParaRPr lang="en-US" altLang="zh-CN" dirty="0"/>
-          </a:p>
-          <a:p>
-            <a:r>
-              <a:rPr lang="zh-CN" altLang="en-US" dirty="0"/>
-              <a:t>很多重复的轮子，</a:t>
-            </a:r>
-            <a:r>
-              <a:rPr lang="en-US" altLang="zh-CN" dirty="0" err="1"/>
-              <a:t>Antd</a:t>
-            </a:r>
-            <a:r>
-              <a:rPr lang="en-US" altLang="zh-CN" dirty="0"/>
-              <a:t> </a:t>
-            </a:r>
-            <a:r>
-              <a:rPr lang="zh-CN" altLang="en-US" dirty="0"/>
-              <a:t>组件都有，然后看这个快速入手，使用这套组件库，需要先掌握 </a:t>
-            </a:r>
-            <a:r>
-              <a:rPr lang="en-US" altLang="zh-CN" dirty="0"/>
-              <a:t>React </a:t>
-            </a:r>
-            <a:r>
-              <a:rPr lang="zh-CN" altLang="en-US" dirty="0"/>
-              <a:t>以及 </a:t>
-            </a:r>
-            <a:r>
-              <a:rPr lang="en-US" altLang="zh-CN" dirty="0"/>
-              <a:t>ES6</a:t>
-            </a:r>
-            <a:r>
-              <a:rPr lang="zh-CN" altLang="en-US" dirty="0"/>
-              <a:t>。</a:t>
-            </a:r>
-            <a:r>
-              <a:rPr lang="en-US" altLang="zh-CN" dirty="0" err="1"/>
-              <a:t>Antd</a:t>
-            </a:r>
-            <a:r>
-              <a:rPr lang="en-US" altLang="zh-CN" dirty="0"/>
-              <a:t> </a:t>
-            </a:r>
-            <a:r>
-              <a:rPr lang="zh-CN" altLang="en-US" dirty="0"/>
-              <a:t>是一个设计规范，提供了很多基础组件，我们可以看这个组件这个 </a:t>
-            </a:r>
-            <a:r>
-              <a:rPr lang="en-US" altLang="zh-CN" dirty="0"/>
-              <a:t>tab</a:t>
-            </a:r>
-            <a:r>
-              <a:rPr lang="zh-CN" altLang="en-US" dirty="0"/>
-              <a:t>，有通用、布局、导航、表单录入等，省去了很多开发时间。</a:t>
-            </a:r>
-            <a:endParaRPr lang="en-US" altLang="zh-CN" dirty="0"/>
-          </a:p>
-          <a:p>
-            <a:endParaRPr lang="en-US" altLang="zh-CN" dirty="0"/>
-          </a:p>
-          <a:p>
-            <a:r>
-              <a:rPr lang="zh-CN" altLang="en-US" dirty="0"/>
-              <a:t>然后我们项目中使用了</a:t>
-            </a:r>
-            <a:r>
-              <a:rPr lang="en-US" altLang="zh-CN" dirty="0" err="1">
-                <a:hlinkClick r:id="rId6"/>
-              </a:rPr>
-              <a:t>Procomponent</a:t>
-            </a:r>
-            <a:r>
-              <a:rPr lang="zh-CN" altLang="en-US" dirty="0"/>
-              <a:t>，它是基于 </a:t>
-            </a:r>
-            <a:r>
-              <a:rPr lang="en-US" altLang="zh-CN" dirty="0"/>
-              <a:t>Ant Design </a:t>
-            </a:r>
-            <a:r>
-              <a:rPr lang="zh-CN" altLang="en-US" dirty="0"/>
-              <a:t>而开发的模板组件，提供了更高级别的抽象支持，开箱即用。可以显著地提升制作 </a:t>
-            </a:r>
-            <a:r>
-              <a:rPr lang="en-US" altLang="zh-CN" dirty="0"/>
-              <a:t>CRUD </a:t>
-            </a:r>
-            <a:r>
-              <a:rPr lang="zh-CN" altLang="en-US" dirty="0"/>
-              <a:t>页面的效率，更加专注于页面。</a:t>
-            </a:r>
-            <a:endParaRPr lang="en-US" altLang="zh-CN" dirty="0"/>
-          </a:p>
-          <a:p>
-            <a:endParaRPr lang="en-US" altLang="zh-CN" dirty="0"/>
-          </a:p>
-          <a:p>
-            <a:r>
-              <a:rPr lang="zh-CN" altLang="en-US" dirty="0"/>
-              <a:t>现在我们 </a:t>
-            </a:r>
-            <a:r>
-              <a:rPr lang="en-US" altLang="zh-CN" dirty="0"/>
-              <a:t>pc </a:t>
-            </a:r>
-            <a:r>
-              <a:rPr lang="zh-CN" altLang="en-US" dirty="0"/>
-              <a:t>端的项目的话大多都是使用 </a:t>
-            </a:r>
-            <a:r>
-              <a:rPr lang="en-US" altLang="zh-CN" dirty="0" err="1"/>
-              <a:t>Procomponents</a:t>
-            </a:r>
-            <a:r>
-              <a:rPr lang="zh-CN" altLang="en-US" dirty="0"/>
-              <a:t>，像比如表格，表单啊，</a:t>
-            </a:r>
-            <a:r>
-              <a:rPr lang="en-US" altLang="zh-CN" dirty="0" err="1"/>
-              <a:t>Procomponent</a:t>
-            </a:r>
-            <a:r>
-              <a:rPr lang="en-US" altLang="zh-CN" dirty="0"/>
-              <a:t> </a:t>
-            </a:r>
-            <a:r>
-              <a:rPr lang="zh-CN" altLang="en-US" dirty="0"/>
-              <a:t>都帮我们内置了很多逻辑在里面，然后像抽屉的话，如果说抽屉里面是有表单，那还是推荐使用 </a:t>
-            </a:r>
-            <a:r>
-              <a:rPr lang="en-US" altLang="zh-CN" dirty="0" err="1"/>
-              <a:t>DrawerForm</a:t>
-            </a:r>
-            <a:r>
-              <a:rPr lang="zh-CN" altLang="en-US" dirty="0"/>
-              <a:t>，如果只是纯抽屉，那可以使用 </a:t>
-            </a:r>
-            <a:r>
-              <a:rPr lang="en-US" altLang="zh-CN" dirty="0"/>
-              <a:t>Drawer</a:t>
-            </a:r>
-            <a:r>
-              <a:rPr lang="zh-CN" altLang="en-US" dirty="0"/>
-              <a:t>。</a:t>
-            </a:r>
-            <a:endParaRPr lang="en-US" altLang="zh-CN" dirty="0"/>
-          </a:p>
-          <a:p>
-            <a:endParaRPr lang="zh-CN" altLang="en-US" dirty="0"/>
-          </a:p>
-          <a:p>
-            <a:endParaRPr lang="zh-CN" altLang="en-US" dirty="0"/>
-          </a:p>
-          <a:p>
+              <a:rPr lang="zh-CN" altLang="en-US" dirty="0"/>
+              <a:t>移步代码</a:t>
+            </a:r>
+            <a:r>
+              <a:rPr lang="en-US" altLang="zh-CN" dirty="0"/>
+              <a:t>TodoList2</a:t>
+            </a:r>
+            <a:r>
+              <a:rPr lang="zh-CN" altLang="en-US" dirty="0"/>
+              <a:t>案例</a:t>
+            </a:r>
+            <a:r>
+              <a:rPr lang="en-US" altLang="zh-CN" dirty="0"/>
+              <a:t>[2]</a:t>
+            </a:r>
             <a:endParaRPr lang="zh-CN" altLang="en-US" dirty="0"/>
           </a:p>
         </p:txBody>
@@ -9868,7 +11270,7 @@
     </p:spTree>
     <p:extLst>
       <p:ext uri="{BB962C8B-B14F-4D97-AF65-F5344CB8AC3E}">
-        <p14:creationId xmlns:p14="http://schemas.microsoft.com/office/powerpoint/2010/main" val="3091229430"/>
+        <p14:creationId xmlns:p14="http://schemas.microsoft.com/office/powerpoint/2010/main" val="2925212786"/>
       </p:ext>
     </p:extLst>
   </p:cSld>
@@ -10676,59 +12078,14 @@
       </p:grpSpPr>
       <p:sp>
         <p:nvSpPr>
-          <p:cNvPr id="2" name="标题 1"/>
-          <p:cNvSpPr>
-            <a:spLocks noGrp="1"/>
-          </p:cNvSpPr>
-          <p:nvPr>
-            <p:ph type="title"/>
-          </p:nvPr>
-        </p:nvSpPr>
-        <p:spPr/>
-        <p:txBody>
-          <a:bodyPr/>
-          <a:lstStyle/>
-          <a:p>
-            <a:r>
-              <a:rPr lang="en-US" altLang="zh-CN" sz="2400" b="1" dirty="0">
-                <a:hlinkClick r:id="rId3"/>
-              </a:rPr>
-              <a:t>Ant Design </a:t>
-            </a:r>
-            <a:r>
-              <a:rPr lang="en-US" altLang="zh-CN" sz="2400" b="1" dirty="0"/>
-              <a:t>&amp; </a:t>
-            </a:r>
-            <a:r>
-              <a:rPr lang="en-US" altLang="zh-CN" sz="2400" b="1" dirty="0" err="1">
-                <a:hlinkClick r:id="rId4"/>
-              </a:rPr>
-              <a:t>Procomponent</a:t>
-            </a:r>
-            <a:endParaRPr lang="zh-CN" altLang="en-US" sz="2400" b="1" dirty="0">
-              <a:solidFill>
-                <a:schemeClr val="tx1"/>
-              </a:solidFill>
-            </a:endParaRPr>
-          </a:p>
-        </p:txBody>
-      </p:sp>
-      <p:sp>
-        <p:nvSpPr>
-          <p:cNvPr id="5" name="文本框 4">
-            <a:extLst>
-              <a:ext uri="{FF2B5EF4-FFF2-40B4-BE49-F238E27FC236}">
-                <a16:creationId xmlns:a16="http://schemas.microsoft.com/office/drawing/2014/main" id="{C8C11884-A39D-5F01-183C-A1A8DA67C5C9}"/>
-              </a:ext>
-            </a:extLst>
-          </p:cNvPr>
+          <p:cNvPr id="4" name="文本框 3"/>
           <p:cNvSpPr txBox="1"/>
           <p:nvPr/>
         </p:nvSpPr>
         <p:spPr>
           <a:xfrm>
-            <a:off x="451961" y="958241"/>
-            <a:ext cx="8097053" cy="923330"/>
+            <a:off x="1452369" y="2251392"/>
+            <a:ext cx="1773242" cy="1862048"/>
           </a:xfrm>
           <a:prstGeom prst="rect">
             <a:avLst/>
@@ -10736,48 +12093,34 @@
           <a:noFill/>
         </p:spPr>
         <p:txBody>
-          <a:bodyPr wrap="square" rtlCol="0">
+          <a:bodyPr wrap="none" rtlCol="0">
             <a:spAutoFit/>
           </a:bodyPr>
           <a:lstStyle/>
           <a:p>
-            <a:r>
-              <a:rPr lang="en-US" altLang="zh-CN" dirty="0"/>
-              <a:t>2</a:t>
-            </a:r>
-            <a:r>
-              <a:rPr lang="zh-CN" altLang="en-US" dirty="0"/>
-              <a:t>、实践演练</a:t>
-            </a:r>
-            <a:r>
-              <a:rPr lang="en-US" altLang="zh-CN" dirty="0"/>
-              <a:t>3[1]</a:t>
-            </a:r>
-          </a:p>
-          <a:p>
-            <a:endParaRPr lang="zh-CN" altLang="en-US" dirty="0"/>
-          </a:p>
-          <a:p>
-            <a:endParaRPr lang="zh-CN" altLang="en-US" dirty="0"/>
-          </a:p>
-        </p:txBody>
-      </p:sp>
-      <p:sp>
-        <p:nvSpPr>
-          <p:cNvPr id="3" name="文本框 2">
-            <a:extLst>
-              <a:ext uri="{FF2B5EF4-FFF2-40B4-BE49-F238E27FC236}">
-                <a16:creationId xmlns:a16="http://schemas.microsoft.com/office/drawing/2014/main" id="{F6FD9343-AC86-072B-2EA7-6CD0FA30ED5B}"/>
-              </a:ext>
-            </a:extLst>
-          </p:cNvPr>
+            <a:pPr algn="ctr"/>
+            <a:r>
+              <a:rPr lang="en-US" altLang="zh-CN" sz="11500" dirty="0">
+                <a:solidFill>
+                  <a:srgbClr val="FF9933"/>
+                </a:solidFill>
+                <a:latin typeface="Impact" panose="020B0806030902050204" pitchFamily="34" charset="0"/>
+              </a:rPr>
+              <a:t>06</a:t>
+            </a:r>
+          </a:p>
+        </p:txBody>
+      </p:sp>
+      <p:sp>
+        <p:nvSpPr>
+          <p:cNvPr id="5" name="文本框 4"/>
           <p:cNvSpPr txBox="1"/>
           <p:nvPr/>
         </p:nvSpPr>
         <p:spPr>
           <a:xfrm>
-            <a:off x="451961" y="1419906"/>
-            <a:ext cx="3914384" cy="369332"/>
+            <a:off x="3225800" y="2160270"/>
+            <a:ext cx="5217160" cy="1753235"/>
           </a:xfrm>
           <a:prstGeom prst="rect">
             <a:avLst/>
@@ -10787,35 +12130,127 @@
         <p:txBody>
           <a:bodyPr wrap="square" rtlCol="0">
             <a:spAutoFit/>
+            <a:scene3d>
+              <a:camera prst="orthographicFront"/>
+              <a:lightRig rig="threePt" dir="t"/>
+            </a:scene3d>
+            <a:sp3d contourW="12700"/>
           </a:bodyPr>
           <a:lstStyle/>
           <a:p>
             <a:r>
-              <a:rPr lang="zh-CN" altLang="en-US" dirty="0"/>
-              <a:t>移步代码</a:t>
-            </a:r>
-            <a:r>
-              <a:rPr lang="en-US" altLang="zh-CN" dirty="0"/>
-              <a:t>TodoList3</a:t>
-            </a:r>
-            <a:r>
-              <a:rPr lang="zh-CN" altLang="en-US" dirty="0"/>
-              <a:t>案例</a:t>
-            </a:r>
-            <a:r>
-              <a:rPr lang="en-US" altLang="zh-CN" dirty="0"/>
-              <a:t>[1]</a:t>
-            </a:r>
-            <a:endParaRPr lang="zh-CN" altLang="en-US" dirty="0"/>
+              <a:rPr lang="en-US" altLang="zh-CN" sz="5400" b="1" dirty="0" err="1"/>
+              <a:t>Ant</a:t>
+            </a:r>
+            <a:r>
+              <a:rPr lang="en-US" altLang="zh-CN" sz="5400" b="1" dirty="0"/>
+              <a:t> Design &amp; Procomponent</a:t>
+            </a:r>
+            <a:endParaRPr lang="zh-CN" altLang="en-US" sz="5400" b="1" dirty="0">
+              <a:solidFill>
+                <a:schemeClr val="tx1"/>
+              </a:solidFill>
+            </a:endParaRPr>
+          </a:p>
+        </p:txBody>
+      </p:sp>
+      <p:sp>
+        <p:nvSpPr>
+          <p:cNvPr id="2" name="文本框 1"/>
+          <p:cNvSpPr txBox="1"/>
+          <p:nvPr/>
+        </p:nvSpPr>
+        <p:spPr>
+          <a:xfrm>
+            <a:off x="3225611" y="3913505"/>
+            <a:ext cx="4872136" cy="923330"/>
+          </a:xfrm>
+          <a:prstGeom prst="rect">
+            <a:avLst/>
+          </a:prstGeom>
+          <a:noFill/>
+        </p:spPr>
+        <p:txBody>
+          <a:bodyPr wrap="square">
+            <a:spAutoFit/>
+          </a:bodyPr>
+          <a:lstStyle/>
+          <a:p>
+            <a:pPr marL="742950" lvl="1" indent="-285750">
+              <a:buFont typeface="Arial" panose="020B0604020202020204" pitchFamily="34" charset="0"/>
+              <a:buChar char="•"/>
+            </a:pPr>
+            <a:r>
+              <a:rPr lang="zh-CN" altLang="en-US" dirty="0">
+                <a:solidFill>
+                  <a:schemeClr val="bg2"/>
+                </a:solidFill>
+              </a:rPr>
+              <a:t>文档阅读，</a:t>
+            </a:r>
+            <a:r>
+              <a:rPr lang="en-US" altLang="zh-CN" dirty="0" err="1">
+                <a:solidFill>
+                  <a:schemeClr val="bg2"/>
+                </a:solidFill>
+              </a:rPr>
+              <a:t>Antd</a:t>
+            </a:r>
+            <a:r>
+              <a:rPr lang="en-US" altLang="zh-CN" dirty="0">
+                <a:solidFill>
+                  <a:schemeClr val="bg2"/>
+                </a:solidFill>
+              </a:rPr>
+              <a:t> Design</a:t>
+            </a:r>
+            <a:r>
+              <a:rPr lang="zh-CN" altLang="en-US" dirty="0">
+                <a:solidFill>
+                  <a:schemeClr val="bg2"/>
+                </a:solidFill>
+              </a:rPr>
+              <a:t>与</a:t>
+            </a:r>
+            <a:r>
+              <a:rPr lang="en-US" altLang="zh-CN" dirty="0" err="1">
+                <a:solidFill>
+                  <a:schemeClr val="bg2"/>
+                </a:solidFill>
+              </a:rPr>
+              <a:t>ProComponent</a:t>
+            </a:r>
+            <a:r>
+              <a:rPr lang="zh-CN" altLang="en-US" dirty="0">
+                <a:solidFill>
+                  <a:schemeClr val="bg2"/>
+                </a:solidFill>
+              </a:rPr>
+              <a:t>的关系</a:t>
+            </a:r>
+            <a:endParaRPr lang="en-US" altLang="zh-CN" dirty="0">
+              <a:solidFill>
+                <a:schemeClr val="bg2"/>
+              </a:solidFill>
+            </a:endParaRPr>
+          </a:p>
+          <a:p>
+            <a:pPr marL="742950" lvl="1" indent="-285750">
+              <a:buFont typeface="Arial" panose="020B0604020202020204" pitchFamily="34" charset="0"/>
+              <a:buChar char="•"/>
+            </a:pPr>
+            <a:r>
+              <a:rPr lang="zh-CN" altLang="en-US" dirty="0">
+                <a:solidFill>
+                  <a:schemeClr val="bg2"/>
+                </a:solidFill>
+              </a:rPr>
+              <a:t>实践演练</a:t>
+            </a:r>
           </a:p>
         </p:txBody>
       </p:sp>
     </p:spTree>
-    <p:extLst>
-      <p:ext uri="{BB962C8B-B14F-4D97-AF65-F5344CB8AC3E}">
-        <p14:creationId xmlns:p14="http://schemas.microsoft.com/office/powerpoint/2010/main" val="2448928662"/>
-      </p:ext>
-    </p:extLst>
   </p:cSld>
   <p:clrMapOvr>
     <a:masterClrMapping/>
@@ -10842,14 +12277,59 @@
       </p:grpSpPr>
       <p:sp>
         <p:nvSpPr>
-          <p:cNvPr id="4" name="文本框 3"/>
+          <p:cNvPr id="2" name="标题 1"/>
+          <p:cNvSpPr>
+            <a:spLocks noGrp="1"/>
+          </p:cNvSpPr>
+          <p:nvPr>
+            <p:ph type="title"/>
+          </p:nvPr>
+        </p:nvSpPr>
+        <p:spPr/>
+        <p:txBody>
+          <a:bodyPr/>
+          <a:lstStyle/>
+          <a:p>
+            <a:r>
+              <a:rPr lang="en-US" altLang="zh-CN" sz="2400" b="1" dirty="0">
+                <a:hlinkClick r:id="rId3"/>
+              </a:rPr>
+              <a:t>Ant Design </a:t>
+            </a:r>
+            <a:r>
+              <a:rPr lang="en-US" altLang="zh-CN" sz="2400" b="1" dirty="0"/>
+              <a:t>&amp; </a:t>
+            </a:r>
+            <a:r>
+              <a:rPr lang="en-US" altLang="zh-CN" sz="2400" b="1" dirty="0" err="1">
+                <a:hlinkClick r:id="rId4"/>
+              </a:rPr>
+              <a:t>Procomponent</a:t>
+            </a:r>
+            <a:endParaRPr lang="zh-CN" altLang="en-US" sz="2400" b="1" dirty="0">
+              <a:solidFill>
+                <a:schemeClr val="tx1"/>
+              </a:solidFill>
+            </a:endParaRPr>
+          </a:p>
+        </p:txBody>
+      </p:sp>
+      <p:sp>
+        <p:nvSpPr>
+          <p:cNvPr id="5" name="文本框 4">
+            <a:extLst>
+              <a:ext uri="{FF2B5EF4-FFF2-40B4-BE49-F238E27FC236}">
+                <a16:creationId xmlns:a16="http://schemas.microsoft.com/office/drawing/2014/main" id="{C8C11884-A39D-5F01-183C-A1A8DA67C5C9}"/>
+              </a:ext>
+            </a:extLst>
+          </p:cNvPr>
           <p:cNvSpPr txBox="1"/>
           <p:nvPr/>
         </p:nvSpPr>
         <p:spPr>
           <a:xfrm>
-            <a:off x="1562976" y="2251392"/>
-            <a:ext cx="1552028" cy="1862048"/>
+            <a:off x="451961" y="958241"/>
+            <a:ext cx="8097053" cy="5632311"/>
           </a:xfrm>
           <a:prstGeom prst="rect">
             <a:avLst/>
@@ -10857,123 +12337,202 @@
           <a:noFill/>
         </p:spPr>
         <p:txBody>
-          <a:bodyPr wrap="none" rtlCol="0">
+          <a:bodyPr wrap="square" rtlCol="0">
             <a:spAutoFit/>
           </a:bodyPr>
           <a:lstStyle/>
           <a:p>
-            <a:pPr algn="ctr"/>
-            <a:r>
-              <a:rPr lang="en-US" altLang="zh-CN" sz="11500" dirty="0">
-                <a:solidFill>
-                  <a:srgbClr val="FF9933"/>
-                </a:solidFill>
-                <a:latin typeface="Impact" panose="020B0806030902050204" pitchFamily="34" charset="0"/>
-              </a:rPr>
-              <a:t>07</a:t>
-            </a:r>
-          </a:p>
-        </p:txBody>
-      </p:sp>
-      <p:sp>
-        <p:nvSpPr>
-          <p:cNvPr id="5" name="文本框 4"/>
-          <p:cNvSpPr txBox="1"/>
-          <p:nvPr/>
-        </p:nvSpPr>
-        <p:spPr>
-          <a:xfrm>
-            <a:off x="3226435" y="2465070"/>
-            <a:ext cx="4900295" cy="922020"/>
-          </a:xfrm>
-          <a:prstGeom prst="rect">
-            <a:avLst/>
-          </a:prstGeom>
-          <a:noFill/>
-        </p:spPr>
-        <p:txBody>
-          <a:bodyPr wrap="square" rtlCol="0">
-            <a:spAutoFit/>
-            <a:scene3d>
-              <a:camera prst="orthographicFront"/>
-              <a:lightRig rig="threePt" dir="t"/>
-            </a:scene3d>
-            <a:sp3d contourW="12700"/>
-          </a:bodyPr>
-          <a:lstStyle/>
-          <a:p>
-            <a:r>
-              <a:rPr lang="zh-CN" altLang="en-US" sz="5400" b="1" dirty="0">
-                <a:solidFill>
-                  <a:schemeClr val="tx1"/>
-                </a:solidFill>
-              </a:rPr>
-              <a:t>总结</a:t>
-            </a:r>
-          </a:p>
-        </p:txBody>
-      </p:sp>
-      <p:sp>
-        <p:nvSpPr>
-          <p:cNvPr id="2" name="文本框 1"/>
-          <p:cNvSpPr txBox="1"/>
-          <p:nvPr>
-            <p:custDataLst>
-              <p:tags r:id="rId1"/>
-            </p:custDataLst>
-          </p:nvPr>
-        </p:nvSpPr>
-        <p:spPr>
-          <a:xfrm>
-            <a:off x="3115004" y="3517674"/>
-            <a:ext cx="5054596" cy="645160"/>
-          </a:xfrm>
-          <a:prstGeom prst="rect">
-            <a:avLst/>
-          </a:prstGeom>
-          <a:noFill/>
-        </p:spPr>
-        <p:txBody>
-          <a:bodyPr wrap="square">
-            <a:spAutoFit/>
-          </a:bodyPr>
-          <a:lstStyle/>
-          <a:p>
-            <a:pPr marL="742950" lvl="1" indent="-285750">
-              <a:buFont typeface="Arial" panose="020B0604020202020204" pitchFamily="34" charset="0"/>
-              <a:buChar char="•"/>
-            </a:pPr>
-            <a:r>
-              <a:rPr lang="zh-CN" altLang="en-US" dirty="0">
-                <a:solidFill>
-                  <a:schemeClr val="bg2"/>
-                </a:solidFill>
-              </a:rPr>
-              <a:t>小结</a:t>
-            </a:r>
-            <a:endParaRPr lang="zh-CN" dirty="0">
-              <a:solidFill>
-                <a:schemeClr val="bg2"/>
-              </a:solidFill>
-            </a:endParaRPr>
-          </a:p>
-          <a:p>
-            <a:pPr marL="742950" lvl="1" indent="-285750">
-              <a:buFont typeface="Arial" panose="020B0604020202020204" pitchFamily="34" charset="0"/>
-              <a:buChar char="•"/>
-            </a:pPr>
-            <a:r>
-              <a:rPr lang="zh-CN" dirty="0">
-                <a:solidFill>
-                  <a:schemeClr val="bg2"/>
-                </a:solidFill>
-              </a:rPr>
-              <a:t>学习资源</a:t>
-            </a:r>
+            <a:r>
+              <a:rPr lang="en-US" altLang="zh-CN" dirty="0"/>
+              <a:t>1</a:t>
+            </a:r>
+            <a:r>
+              <a:rPr lang="zh-CN" altLang="en-US" dirty="0"/>
+              <a:t>、文档阅读：</a:t>
+            </a:r>
+            <a:r>
+              <a:rPr lang="en-US" altLang="zh-CN" dirty="0"/>
+              <a:t> </a:t>
+            </a:r>
+            <a:r>
+              <a:rPr lang="en-US" altLang="zh-CN" dirty="0">
+                <a:hlinkClick r:id="rId5"/>
+              </a:rPr>
+              <a:t>https://ant-design.antgroup.com/docs/react/getting-started-cn</a:t>
+            </a:r>
+            <a:endParaRPr lang="en-US" altLang="zh-CN" dirty="0"/>
+          </a:p>
+          <a:p>
+            <a:endParaRPr lang="en-US" altLang="zh-CN" dirty="0"/>
+          </a:p>
+          <a:p>
+            <a:endParaRPr lang="en-US" altLang="zh-CN" dirty="0"/>
+          </a:p>
+          <a:p>
+            <a:endParaRPr lang="en-US" altLang="zh-CN" dirty="0"/>
+          </a:p>
+          <a:p>
+            <a:r>
+              <a:rPr lang="zh-CN" altLang="en-US" dirty="0"/>
+              <a:t>很多重复的轮子，</a:t>
+            </a:r>
+            <a:r>
+              <a:rPr lang="en-US" altLang="zh-CN" dirty="0" err="1"/>
+              <a:t>Antd</a:t>
+            </a:r>
+            <a:r>
+              <a:rPr lang="en-US" altLang="zh-CN" dirty="0"/>
+              <a:t> </a:t>
+            </a:r>
+            <a:r>
+              <a:rPr lang="zh-CN" altLang="en-US" dirty="0"/>
+              <a:t>组件都有，然后看这个快速入手，使用这套组件库，需要先掌握 </a:t>
+            </a:r>
+            <a:r>
+              <a:rPr lang="en-US" altLang="zh-CN" dirty="0"/>
+              <a:t>React </a:t>
+            </a:r>
+            <a:r>
+              <a:rPr lang="zh-CN" altLang="en-US" dirty="0"/>
+              <a:t>以及 </a:t>
+            </a:r>
+            <a:r>
+              <a:rPr lang="en-US" altLang="zh-CN" dirty="0"/>
+              <a:t>ES6</a:t>
+            </a:r>
+            <a:r>
+              <a:rPr lang="zh-CN" altLang="en-US" dirty="0"/>
+              <a:t>。</a:t>
+            </a:r>
+            <a:r>
+              <a:rPr lang="en-US" altLang="zh-CN" dirty="0" err="1"/>
+              <a:t>Antd</a:t>
+            </a:r>
+            <a:r>
+              <a:rPr lang="en-US" altLang="zh-CN" dirty="0"/>
+              <a:t> </a:t>
+            </a:r>
+            <a:r>
+              <a:rPr lang="zh-CN" altLang="en-US" dirty="0"/>
+              <a:t>是一个设计规范，提供了很多基础组件，我们可以看这个组件这个 </a:t>
+            </a:r>
+            <a:r>
+              <a:rPr lang="en-US" altLang="zh-CN" dirty="0"/>
+              <a:t>tab</a:t>
+            </a:r>
+            <a:r>
+              <a:rPr lang="zh-CN" altLang="en-US" dirty="0"/>
+              <a:t>，有通用、布局、导航、表单录入等，省去了很多开发时间。</a:t>
+            </a:r>
+            <a:endParaRPr lang="en-US" altLang="zh-CN" dirty="0"/>
+          </a:p>
+          <a:p>
+            <a:endParaRPr lang="en-US" altLang="zh-CN" dirty="0"/>
+          </a:p>
+          <a:p>
+            <a:r>
+              <a:rPr lang="zh-CN" altLang="en-US" dirty="0"/>
+              <a:t>然后我们项目中使用了</a:t>
+            </a:r>
+            <a:r>
+              <a:rPr lang="en-US" altLang="zh-CN" dirty="0" err="1">
+                <a:hlinkClick r:id="rId6"/>
+              </a:rPr>
+              <a:t>Procomponent</a:t>
+            </a:r>
+            <a:r>
+              <a:rPr lang="zh-CN" altLang="en-US" dirty="0"/>
+              <a:t>，它是基于 </a:t>
+            </a:r>
+            <a:r>
+              <a:rPr lang="en-US" altLang="zh-CN" dirty="0"/>
+              <a:t>Ant Design </a:t>
+            </a:r>
+            <a:r>
+              <a:rPr lang="zh-CN" altLang="en-US" dirty="0"/>
+              <a:t>而开发的模板组件，提供了更高级别的抽象支持，开箱即用。可以显著地提升制作 </a:t>
+            </a:r>
+            <a:r>
+              <a:rPr lang="en-US" altLang="zh-CN" dirty="0"/>
+              <a:t>CRUD </a:t>
+            </a:r>
+            <a:r>
+              <a:rPr lang="zh-CN" altLang="en-US" dirty="0"/>
+              <a:t>页面的效率，更加专注于页面。</a:t>
+            </a:r>
+            <a:endParaRPr lang="en-US" altLang="zh-CN" dirty="0"/>
+          </a:p>
+          <a:p>
+            <a:endParaRPr lang="en-US" altLang="zh-CN" dirty="0"/>
+          </a:p>
+          <a:p>
+            <a:r>
+              <a:rPr lang="zh-CN" altLang="en-US" dirty="0"/>
+              <a:t>现在我们 </a:t>
+            </a:r>
+            <a:r>
+              <a:rPr lang="en-US" altLang="zh-CN" dirty="0"/>
+              <a:t>pc </a:t>
+            </a:r>
+            <a:r>
+              <a:rPr lang="zh-CN" altLang="en-US" dirty="0"/>
+              <a:t>端的项目的话大多都是使用 </a:t>
+            </a:r>
+            <a:r>
+              <a:rPr lang="en-US" altLang="zh-CN" dirty="0" err="1"/>
+              <a:t>Procomponents</a:t>
+            </a:r>
+            <a:r>
+              <a:rPr lang="zh-CN" altLang="en-US" dirty="0"/>
+              <a:t>，像比如表格，表单啊，</a:t>
+            </a:r>
+            <a:r>
+              <a:rPr lang="en-US" altLang="zh-CN" dirty="0" err="1"/>
+              <a:t>Procomponent</a:t>
+            </a:r>
+            <a:r>
+              <a:rPr lang="en-US" altLang="zh-CN" dirty="0"/>
+              <a:t> </a:t>
+            </a:r>
+            <a:r>
+              <a:rPr lang="zh-CN" altLang="en-US" dirty="0"/>
+              <a:t>都帮我们内置了很多逻辑在里面，然后像抽屉的话，如果说抽屉里面是有表单，那还是推荐使用 </a:t>
+            </a:r>
+            <a:r>
+              <a:rPr lang="en-US" altLang="zh-CN" dirty="0" err="1"/>
+              <a:t>DrawerForm</a:t>
+            </a:r>
+            <a:r>
+              <a:rPr lang="zh-CN" altLang="en-US" dirty="0"/>
+              <a:t>，如果只是纯抽屉，那可以使用 </a:t>
+            </a:r>
+            <a:r>
+              <a:rPr lang="en-US" altLang="zh-CN" dirty="0"/>
+              <a:t>Drawer</a:t>
+            </a:r>
+            <a:r>
+              <a:rPr lang="zh-CN" altLang="en-US" dirty="0"/>
+              <a:t>。</a:t>
+            </a:r>
+            <a:endParaRPr lang="en-US" altLang="zh-CN" dirty="0"/>
+          </a:p>
+          <a:p>
+            <a:endParaRPr lang="zh-CN" altLang="en-US" dirty="0"/>
+          </a:p>
+          <a:p>
+            <a:endParaRPr lang="zh-CN" altLang="en-US" dirty="0"/>
+          </a:p>
+          <a:p>
+            <a:endParaRPr lang="zh-CN" altLang="en-US" dirty="0"/>
           </a:p>
         </p:txBody>
       </p:sp>
     </p:spTree>
+    <p:extLst>
+      <p:ext uri="{BB962C8B-B14F-4D97-AF65-F5344CB8AC3E}">
+        <p14:creationId xmlns:p14="http://schemas.microsoft.com/office/powerpoint/2010/main" val="3091229430"/>
+      </p:ext>
+    </p:extLst>
   </p:cSld>
   <p:clrMapOvr>
     <a:masterClrMapping/>
@@ -11014,12 +12573,20 @@
           <a:lstStyle/>
           <a:p>
             <a:r>
-              <a:rPr lang="en-US" altLang="zh-CN" dirty="0"/>
-              <a:t>React</a:t>
-            </a:r>
-            <a:r>
-              <a:rPr lang="zh-CN" altLang="en-US" dirty="0"/>
-              <a:t>基础</a:t>
+              <a:rPr lang="en-US" altLang="zh-CN" sz="2400" b="1" dirty="0">
+                <a:hlinkClick r:id="rId3"/>
+              </a:rPr>
+              <a:t>Ant Design </a:t>
+            </a:r>
+            <a:r>
+              <a:rPr lang="en-US" altLang="zh-CN" sz="2400" b="1" dirty="0"/>
+              <a:t>&amp; </a:t>
+            </a:r>
+            <a:r>
+              <a:rPr lang="en-US" altLang="zh-CN" sz="2400" b="1" dirty="0" err="1">
+                <a:hlinkClick r:id="rId4"/>
+              </a:rPr>
+              <a:t>Procomponent</a:t>
             </a:r>
             <a:endParaRPr lang="zh-CN" altLang="en-US" sz="2400" b="1" dirty="0">
               <a:solidFill>
@@ -11031,14 +12598,20 @@
       </p:sp>
       <p:sp>
         <p:nvSpPr>
-          <p:cNvPr id="3" name="文本框 2"/>
+          <p:cNvPr id="5" name="文本框 4">
+            <a:extLst>
+              <a:ext uri="{FF2B5EF4-FFF2-40B4-BE49-F238E27FC236}">
+                <a16:creationId xmlns:a16="http://schemas.microsoft.com/office/drawing/2014/main" id="{C8C11884-A39D-5F01-183C-A1A8DA67C5C9}"/>
+              </a:ext>
+            </a:extLst>
+          </p:cNvPr>
           <p:cNvSpPr txBox="1"/>
           <p:nvPr/>
         </p:nvSpPr>
         <p:spPr>
           <a:xfrm>
-            <a:off x="546388" y="685165"/>
-            <a:ext cx="7552481" cy="4524315"/>
+            <a:off x="451961" y="958241"/>
+            <a:ext cx="8097053" cy="923330"/>
           </a:xfrm>
           <a:prstGeom prst="rect">
             <a:avLst/>
@@ -11053,197 +12626,77 @@
           <a:p>
             <a:r>
               <a:rPr lang="en-US" altLang="zh-CN" dirty="0"/>
-              <a:t>1</a:t>
-            </a:r>
-            <a:r>
-              <a:rPr lang="zh-CN" altLang="en-US" dirty="0"/>
-              <a:t>、小结</a:t>
-            </a:r>
-            <a:endParaRPr lang="en-US" altLang="zh-CN" dirty="0"/>
-          </a:p>
-          <a:p>
-            <a:r>
-              <a:rPr lang="en-US" altLang="zh-CN" dirty="0"/>
-              <a:t>     </a:t>
-            </a:r>
-            <a:r>
-              <a:rPr lang="zh-CN" altLang="en-US" dirty="0"/>
-              <a:t>本次培训对</a:t>
-            </a:r>
-            <a:r>
-              <a:rPr lang="en-US" altLang="zh-CN" dirty="0"/>
-              <a:t>react</a:t>
-            </a:r>
-            <a:r>
-              <a:rPr lang="zh-CN" altLang="en-US" dirty="0"/>
-              <a:t>基础知识、</a:t>
-            </a:r>
-            <a:r>
-              <a:rPr lang="en-US" altLang="zh-CN" dirty="0"/>
-              <a:t>hooks</a:t>
-            </a:r>
-            <a:r>
-              <a:rPr lang="zh-CN" altLang="en-US" dirty="0"/>
-              <a:t>、组件化开发、组件间通信、</a:t>
-            </a:r>
-            <a:r>
-              <a:rPr lang="en-US" altLang="zh-CN" dirty="0"/>
-              <a:t>ant design</a:t>
-            </a:r>
-            <a:r>
-              <a:rPr lang="zh-CN" altLang="en-US" dirty="0"/>
-              <a:t>简单的做了一些介绍，然后大家可以去看看官方文档或者慕课网，</a:t>
-            </a:r>
-            <a:r>
-              <a:rPr lang="en-US" altLang="zh-CN" dirty="0"/>
-              <a:t>b</a:t>
-            </a:r>
-            <a:r>
-              <a:rPr lang="zh-CN" altLang="en-US" dirty="0"/>
-              <a:t>站的一些视频。</a:t>
-            </a:r>
-            <a:endParaRPr lang="en-US" altLang="zh-CN" dirty="0"/>
-          </a:p>
-          <a:p>
-            <a:endParaRPr lang="en-US" altLang="zh-CN" dirty="0"/>
-          </a:p>
-          <a:p>
-            <a:endParaRPr lang="en-US" altLang="zh-CN" dirty="0"/>
-          </a:p>
-          <a:p>
-            <a:r>
-              <a:rPr lang="en-US" altLang="zh-CN" dirty="0"/>
               <a:t>2</a:t>
             </a:r>
             <a:r>
               <a:rPr lang="zh-CN" altLang="en-US" dirty="0"/>
-              <a:t>、学习资源</a:t>
-            </a:r>
-            <a:endParaRPr lang="en-US" altLang="zh-CN" dirty="0"/>
-          </a:p>
-          <a:p>
-            <a:r>
-              <a:rPr lang="en-US" altLang="zh-CN" dirty="0"/>
-              <a:t>  react</a:t>
-            </a:r>
-            <a:r>
-              <a:rPr lang="zh-CN" altLang="en-US" dirty="0"/>
-              <a:t>中文网：</a:t>
-            </a:r>
-            <a:r>
-              <a:rPr lang="en-US" altLang="zh-CN" dirty="0">
-                <a:hlinkClick r:id="rId2"/>
-              </a:rPr>
-              <a:t>https://react.docschina.org/learn#updating-the-screen</a:t>
-            </a:r>
-            <a:endParaRPr lang="en-US" altLang="zh-CN" dirty="0"/>
-          </a:p>
-          <a:p>
-            <a:r>
-              <a:rPr lang="en-US" altLang="zh-CN" dirty="0"/>
-              <a:t>  Hooks</a:t>
-            </a:r>
-            <a:r>
-              <a:rPr lang="zh-CN" altLang="en-US" dirty="0"/>
-              <a:t>：</a:t>
-            </a:r>
-            <a:r>
-              <a:rPr lang="en-US" altLang="zh-CN" dirty="0">
-                <a:hlinkClick r:id="rId3"/>
-              </a:rPr>
-              <a:t>https://react.docschina.org/reference/react/hooks</a:t>
-            </a:r>
-            <a:endParaRPr lang="en-US" altLang="zh-CN" dirty="0"/>
-          </a:p>
-          <a:p>
-            <a:r>
-              <a:rPr lang="en-US" altLang="zh-CN" dirty="0"/>
-              <a:t>  Ant Design</a:t>
-            </a:r>
-            <a:r>
-              <a:rPr lang="zh-CN" altLang="en-US" dirty="0"/>
-              <a:t>：</a:t>
-            </a:r>
-            <a:r>
-              <a:rPr lang="en-US" altLang="zh-CN" dirty="0">
-                <a:hlinkClick r:id="rId4"/>
-              </a:rPr>
-              <a:t>https://ant-design.antgroup.com/index-cn</a:t>
-            </a:r>
-            <a:endParaRPr lang="en-US" altLang="zh-CN" dirty="0"/>
-          </a:p>
-          <a:p>
-            <a:r>
-              <a:rPr lang="en-US" altLang="zh-CN" dirty="0"/>
-              <a:t>  Ant Design Mobile</a:t>
-            </a:r>
-            <a:r>
-              <a:rPr lang="zh-CN" altLang="en-US" dirty="0"/>
-              <a:t>：</a:t>
-            </a:r>
-            <a:r>
-              <a:rPr lang="en-US" altLang="zh-CN" dirty="0">
-                <a:hlinkClick r:id="rId5"/>
-              </a:rPr>
-              <a:t>https://ant-design-mobile.antgroup.com/zh</a:t>
-            </a:r>
-            <a:endParaRPr lang="en-US" altLang="zh-CN" dirty="0"/>
-          </a:p>
-          <a:p>
-            <a:r>
-              <a:rPr lang="en-US" altLang="zh-CN" dirty="0"/>
-              <a:t>  </a:t>
-            </a:r>
-            <a:r>
-              <a:rPr lang="en-US" altLang="zh-CN" dirty="0" err="1"/>
-              <a:t>ProComponents</a:t>
-            </a:r>
-            <a:r>
-              <a:rPr lang="zh-CN" altLang="en-US" dirty="0"/>
-              <a:t>：</a:t>
-            </a:r>
-            <a:r>
-              <a:rPr lang="en-US" altLang="zh-CN" dirty="0">
-                <a:hlinkClick r:id="rId6"/>
-              </a:rPr>
-              <a:t>https://pro-components.antdigital.dev/</a:t>
-            </a:r>
-            <a:endParaRPr lang="en-US" altLang="zh-CN" dirty="0"/>
-          </a:p>
-          <a:p>
-            <a:r>
-              <a:rPr lang="en-US" altLang="zh-CN" dirty="0"/>
-              <a:t>  b</a:t>
-            </a:r>
-            <a:r>
-              <a:rPr lang="zh-CN" altLang="en-US" dirty="0"/>
-              <a:t>站</a:t>
-            </a:r>
-            <a:r>
-              <a:rPr lang="en-US" altLang="zh-CN" dirty="0"/>
-              <a:t>react</a:t>
-            </a:r>
-            <a:r>
-              <a:rPr lang="zh-CN" altLang="en-US" dirty="0"/>
-              <a:t>视频：</a:t>
-            </a:r>
-            <a:r>
-              <a:rPr lang="en-US" altLang="zh-CN" dirty="0">
-                <a:hlinkClick r:id="rId7"/>
-              </a:rPr>
-              <a:t>https://www.bilibili.com/video/BV1wy4y1D7JT/?spm_id_from=333.337.search-card.all.click&amp;vd_source=4d5c061fec36da1e35ddbcf17f07f1ee</a:t>
-            </a:r>
-            <a:endParaRPr lang="en-US" altLang="zh-CN" dirty="0"/>
-          </a:p>
-          <a:p>
-            <a:endParaRPr lang="en-US" altLang="zh-CN" dirty="0"/>
+              <a:t>、实践演练</a:t>
+            </a:r>
+            <a:r>
+              <a:rPr lang="en-US" altLang="zh-CN" dirty="0"/>
+              <a:t>3[1]</a:t>
+            </a:r>
+          </a:p>
+          <a:p>
+            <a:endParaRPr lang="zh-CN" altLang="en-US" dirty="0"/>
+          </a:p>
+          <a:p>
+            <a:endParaRPr lang="zh-CN" altLang="en-US" dirty="0"/>
+          </a:p>
+        </p:txBody>
+      </p:sp>
+      <p:sp>
+        <p:nvSpPr>
+          <p:cNvPr id="3" name="文本框 2">
+            <a:extLst>
+              <a:ext uri="{FF2B5EF4-FFF2-40B4-BE49-F238E27FC236}">
+                <a16:creationId xmlns:a16="http://schemas.microsoft.com/office/drawing/2014/main" id="{F6FD9343-AC86-072B-2EA7-6CD0FA30ED5B}"/>
+              </a:ext>
+            </a:extLst>
+          </p:cNvPr>
+          <p:cNvSpPr txBox="1"/>
+          <p:nvPr/>
+        </p:nvSpPr>
+        <p:spPr>
+          <a:xfrm>
+            <a:off x="451961" y="1419906"/>
+            <a:ext cx="3914384" cy="369332"/>
+          </a:xfrm>
+          <a:prstGeom prst="rect">
+            <a:avLst/>
+          </a:prstGeom>
+          <a:noFill/>
+        </p:spPr>
+        <p:txBody>
+          <a:bodyPr wrap="square" rtlCol="0">
+            <a:spAutoFit/>
+          </a:bodyPr>
+          <a:lstStyle/>
+          <a:p>
+            <a:r>
+              <a:rPr lang="zh-CN" altLang="en-US" dirty="0"/>
+              <a:t>移步代码</a:t>
+            </a:r>
+            <a:r>
+              <a:rPr lang="en-US" altLang="zh-CN" dirty="0"/>
+              <a:t>TodoList3</a:t>
+            </a:r>
+            <a:r>
+              <a:rPr lang="zh-CN" altLang="en-US" dirty="0"/>
+              <a:t>案例</a:t>
+            </a:r>
+            <a:r>
+              <a:rPr lang="en-US" altLang="zh-CN" dirty="0"/>
+              <a:t>[1]</a:t>
+            </a:r>
+            <a:endParaRPr lang="zh-CN" altLang="en-US" dirty="0"/>
           </a:p>
         </p:txBody>
       </p:sp>
     </p:spTree>
     <p:extLst>
       <p:ext uri="{BB962C8B-B14F-4D97-AF65-F5344CB8AC3E}">
-        <p14:creationId xmlns:p14="http://schemas.microsoft.com/office/powerpoint/2010/main" val="3408414575"/>
+        <p14:creationId xmlns:p14="http://schemas.microsoft.com/office/powerpoint/2010/main" val="2448928662"/>
       </p:ext>
     </p:extLst>
   </p:cSld>
@@ -11278,6 +12731,436 @@
         </p:nvSpPr>
         <p:spPr>
           <a:xfrm>
+            <a:off x="1562976" y="2251392"/>
+            <a:ext cx="1552028" cy="1862048"/>
+          </a:xfrm>
+          <a:prstGeom prst="rect">
+            <a:avLst/>
+          </a:prstGeom>
+          <a:noFill/>
+        </p:spPr>
+        <p:txBody>
+          <a:bodyPr wrap="none" rtlCol="0">
+            <a:spAutoFit/>
+          </a:bodyPr>
+          <a:lstStyle/>
+          <a:p>
+            <a:pPr algn="ctr"/>
+            <a:r>
+              <a:rPr lang="en-US" altLang="zh-CN" sz="11500" dirty="0">
+                <a:solidFill>
+                  <a:srgbClr val="FF9933"/>
+                </a:solidFill>
+                <a:latin typeface="Impact" panose="020B0806030902050204" pitchFamily="34" charset="0"/>
+              </a:rPr>
+              <a:t>07</a:t>
+            </a:r>
+          </a:p>
+        </p:txBody>
+      </p:sp>
+      <p:sp>
+        <p:nvSpPr>
+          <p:cNvPr id="5" name="文本框 4"/>
+          <p:cNvSpPr txBox="1"/>
+          <p:nvPr/>
+        </p:nvSpPr>
+        <p:spPr>
+          <a:xfrm>
+            <a:off x="3226435" y="2465070"/>
+            <a:ext cx="4900295" cy="922020"/>
+          </a:xfrm>
+          <a:prstGeom prst="rect">
+            <a:avLst/>
+          </a:prstGeom>
+          <a:noFill/>
+        </p:spPr>
+        <p:txBody>
+          <a:bodyPr wrap="square" rtlCol="0">
+            <a:spAutoFit/>
+            <a:scene3d>
+              <a:camera prst="orthographicFront"/>
+              <a:lightRig rig="threePt" dir="t"/>
+            </a:scene3d>
+            <a:sp3d contourW="12700"/>
+          </a:bodyPr>
+          <a:lstStyle/>
+          <a:p>
+            <a:r>
+              <a:rPr lang="zh-CN" altLang="en-US" sz="5400" b="1" dirty="0">
+                <a:solidFill>
+                  <a:schemeClr val="tx1"/>
+                </a:solidFill>
+              </a:rPr>
+              <a:t>总结</a:t>
+            </a:r>
+          </a:p>
+        </p:txBody>
+      </p:sp>
+      <p:sp>
+        <p:nvSpPr>
+          <p:cNvPr id="2" name="文本框 1"/>
+          <p:cNvSpPr txBox="1"/>
+          <p:nvPr>
+            <p:custDataLst>
+              <p:tags r:id="rId1"/>
+            </p:custDataLst>
+          </p:nvPr>
+        </p:nvSpPr>
+        <p:spPr>
+          <a:xfrm>
+            <a:off x="3115004" y="3517674"/>
+            <a:ext cx="5054596" cy="645160"/>
+          </a:xfrm>
+          <a:prstGeom prst="rect">
+            <a:avLst/>
+          </a:prstGeom>
+          <a:noFill/>
+        </p:spPr>
+        <p:txBody>
+          <a:bodyPr wrap="square">
+            <a:spAutoFit/>
+          </a:bodyPr>
+          <a:lstStyle/>
+          <a:p>
+            <a:pPr marL="742950" lvl="1" indent="-285750">
+              <a:buFont typeface="Arial" panose="020B0604020202020204" pitchFamily="34" charset="0"/>
+              <a:buChar char="•"/>
+            </a:pPr>
+            <a:r>
+              <a:rPr lang="zh-CN" altLang="en-US" dirty="0">
+                <a:solidFill>
+                  <a:schemeClr val="bg2"/>
+                </a:solidFill>
+              </a:rPr>
+              <a:t>小结</a:t>
+            </a:r>
+            <a:endParaRPr lang="zh-CN" dirty="0">
+              <a:solidFill>
+                <a:schemeClr val="bg2"/>
+              </a:solidFill>
+            </a:endParaRPr>
+          </a:p>
+          <a:p>
+            <a:pPr marL="742950" lvl="1" indent="-285750">
+              <a:buFont typeface="Arial" panose="020B0604020202020204" pitchFamily="34" charset="0"/>
+              <a:buChar char="•"/>
+            </a:pPr>
+            <a:r>
+              <a:rPr lang="zh-CN" dirty="0">
+                <a:solidFill>
+                  <a:schemeClr val="bg2"/>
+                </a:solidFill>
+              </a:rPr>
+              <a:t>学习资源</a:t>
+            </a:r>
+          </a:p>
+        </p:txBody>
+      </p:sp>
+    </p:spTree>
+  </p:cSld>
+  <p:clrMapOvr>
+    <a:masterClrMapping/>
+  </p:clrMapOvr>
+</p:sld>
+</file>
+
+<file path=ppt/slides/slide34.xml><?xml version="1.0" encoding="utf-8"?>
+<p:sld xmlns:a="http://schemas.openxmlformats.org/drawingml/2006/main" xmlns:r="http://schemas.openxmlformats.org/officeDocument/2006/relationships" xmlns:p="http://schemas.openxmlformats.org/presentationml/2006/main">
+  <p:cSld>
+    <p:spTree>
+      <p:nvGrpSpPr>
+        <p:cNvPr id="1" name=""/>
+        <p:cNvGrpSpPr/>
+        <p:nvPr/>
+      </p:nvGrpSpPr>
+      <p:grpSpPr>
+        <a:xfrm>
+          <a:off x="0" y="0"/>
+          <a:ext cx="0" cy="0"/>
+          <a:chOff x="0" y="0"/>
+          <a:chExt cx="0" cy="0"/>
+        </a:xfrm>
+      </p:grpSpPr>
+      <p:sp>
+        <p:nvSpPr>
+          <p:cNvPr id="2" name="标题 1"/>
+          <p:cNvSpPr>
+            <a:spLocks noGrp="1"/>
+          </p:cNvSpPr>
+          <p:nvPr>
+            <p:ph type="title"/>
+          </p:nvPr>
+        </p:nvSpPr>
+        <p:spPr/>
+        <p:txBody>
+          <a:bodyPr/>
+          <a:lstStyle/>
+          <a:p>
+            <a:r>
+              <a:rPr lang="en-US" altLang="zh-CN" dirty="0"/>
+              <a:t>React</a:t>
+            </a:r>
+            <a:r>
+              <a:rPr lang="zh-CN" altLang="en-US" dirty="0"/>
+              <a:t>基础</a:t>
+            </a:r>
+            <a:endParaRPr lang="zh-CN" altLang="en-US" sz="2400" b="1" dirty="0">
+              <a:solidFill>
+                <a:schemeClr val="tx1"/>
+              </a:solidFill>
+            </a:endParaRPr>
+          </a:p>
+        </p:txBody>
+      </p:sp>
+      <p:sp>
+        <p:nvSpPr>
+          <p:cNvPr id="3" name="文本框 2"/>
+          <p:cNvSpPr txBox="1"/>
+          <p:nvPr/>
+        </p:nvSpPr>
+        <p:spPr>
+          <a:xfrm>
+            <a:off x="546388" y="685165"/>
+            <a:ext cx="7552481" cy="4524315"/>
+          </a:xfrm>
+          <a:prstGeom prst="rect">
+            <a:avLst/>
+          </a:prstGeom>
+          <a:noFill/>
+        </p:spPr>
+        <p:txBody>
+          <a:bodyPr wrap="square" rtlCol="0">
+            <a:spAutoFit/>
+          </a:bodyPr>
+          <a:lstStyle/>
+          <a:p>
+            <a:r>
+              <a:rPr lang="en-US" altLang="zh-CN" dirty="0"/>
+              <a:t>1</a:t>
+            </a:r>
+            <a:r>
+              <a:rPr lang="zh-CN" altLang="en-US" dirty="0"/>
+              <a:t>、小结</a:t>
+            </a:r>
+            <a:endParaRPr lang="en-US" altLang="zh-CN" dirty="0"/>
+          </a:p>
+          <a:p>
+            <a:r>
+              <a:rPr lang="en-US" altLang="zh-CN" dirty="0"/>
+              <a:t>     </a:t>
+            </a:r>
+            <a:r>
+              <a:rPr lang="zh-CN" altLang="en-US" dirty="0"/>
+              <a:t>本次培训对</a:t>
+            </a:r>
+            <a:r>
+              <a:rPr lang="en-US" altLang="zh-CN" dirty="0"/>
+              <a:t>react</a:t>
+            </a:r>
+            <a:r>
+              <a:rPr lang="zh-CN" altLang="en-US" dirty="0"/>
+              <a:t>基础知识、</a:t>
+            </a:r>
+            <a:r>
+              <a:rPr lang="en-US" altLang="zh-CN" dirty="0"/>
+              <a:t>hooks</a:t>
+            </a:r>
+            <a:r>
+              <a:rPr lang="zh-CN" altLang="en-US" dirty="0"/>
+              <a:t>、组件化开发、组件间通信、</a:t>
+            </a:r>
+            <a:r>
+              <a:rPr lang="en-US" altLang="zh-CN" dirty="0"/>
+              <a:t>ant design</a:t>
+            </a:r>
+            <a:r>
+              <a:rPr lang="zh-CN" altLang="en-US" dirty="0"/>
+              <a:t>简单的做了一些介绍，然后大家可以去看看官方文档或者慕课网，</a:t>
+            </a:r>
+            <a:r>
+              <a:rPr lang="en-US" altLang="zh-CN" dirty="0"/>
+              <a:t>b</a:t>
+            </a:r>
+            <a:r>
+              <a:rPr lang="zh-CN" altLang="en-US" dirty="0"/>
+              <a:t>站的一些视频。</a:t>
+            </a:r>
+            <a:endParaRPr lang="en-US" altLang="zh-CN" dirty="0"/>
+          </a:p>
+          <a:p>
+            <a:endParaRPr lang="en-US" altLang="zh-CN" dirty="0"/>
+          </a:p>
+          <a:p>
+            <a:endParaRPr lang="en-US" altLang="zh-CN" dirty="0"/>
+          </a:p>
+          <a:p>
+            <a:r>
+              <a:rPr lang="en-US" altLang="zh-CN" dirty="0"/>
+              <a:t>2</a:t>
+            </a:r>
+            <a:r>
+              <a:rPr lang="zh-CN" altLang="en-US" dirty="0"/>
+              <a:t>、学习资源</a:t>
+            </a:r>
+            <a:endParaRPr lang="en-US" altLang="zh-CN" dirty="0"/>
+          </a:p>
+          <a:p>
+            <a:r>
+              <a:rPr lang="en-US" altLang="zh-CN" dirty="0"/>
+              <a:t>  react</a:t>
+            </a:r>
+            <a:r>
+              <a:rPr lang="zh-CN" altLang="en-US" dirty="0"/>
+              <a:t>中文网：</a:t>
+            </a:r>
+            <a:r>
+              <a:rPr lang="en-US" altLang="zh-CN" dirty="0">
+                <a:hlinkClick r:id="rId2"/>
+              </a:rPr>
+              <a:t>https://react.docschina.org/learn#updating-the-screen</a:t>
+            </a:r>
+            <a:endParaRPr lang="en-US" altLang="zh-CN" dirty="0"/>
+          </a:p>
+          <a:p>
+            <a:r>
+              <a:rPr lang="en-US" altLang="zh-CN" dirty="0"/>
+              <a:t>  Hooks</a:t>
+            </a:r>
+            <a:r>
+              <a:rPr lang="zh-CN" altLang="en-US" dirty="0"/>
+              <a:t>：</a:t>
+            </a:r>
+            <a:r>
+              <a:rPr lang="en-US" altLang="zh-CN" dirty="0">
+                <a:hlinkClick r:id="rId3"/>
+              </a:rPr>
+              <a:t>https://react.docschina.org/reference/react/hooks</a:t>
+            </a:r>
+            <a:endParaRPr lang="en-US" altLang="zh-CN" dirty="0"/>
+          </a:p>
+          <a:p>
+            <a:r>
+              <a:rPr lang="en-US" altLang="zh-CN" dirty="0"/>
+              <a:t>  Ant Design</a:t>
+            </a:r>
+            <a:r>
+              <a:rPr lang="zh-CN" altLang="en-US" dirty="0"/>
+              <a:t>：</a:t>
+            </a:r>
+            <a:r>
+              <a:rPr lang="en-US" altLang="zh-CN" dirty="0">
+                <a:hlinkClick r:id="rId4"/>
+              </a:rPr>
+              <a:t>https://ant-design.antgroup.com/index-cn</a:t>
+            </a:r>
+            <a:endParaRPr lang="en-US" altLang="zh-CN" dirty="0"/>
+          </a:p>
+          <a:p>
+            <a:r>
+              <a:rPr lang="en-US" altLang="zh-CN" dirty="0"/>
+              <a:t>  Ant Design Mobile</a:t>
+            </a:r>
+            <a:r>
+              <a:rPr lang="zh-CN" altLang="en-US" dirty="0"/>
+              <a:t>：</a:t>
+            </a:r>
+            <a:r>
+              <a:rPr lang="en-US" altLang="zh-CN" dirty="0">
+                <a:hlinkClick r:id="rId5"/>
+              </a:rPr>
+              <a:t>https://ant-design-mobile.antgroup.com/zh</a:t>
+            </a:r>
+            <a:endParaRPr lang="en-US" altLang="zh-CN" dirty="0"/>
+          </a:p>
+          <a:p>
+            <a:r>
+              <a:rPr lang="en-US" altLang="zh-CN" dirty="0"/>
+              <a:t>  </a:t>
+            </a:r>
+            <a:r>
+              <a:rPr lang="en-US" altLang="zh-CN" dirty="0" err="1"/>
+              <a:t>ProComponents</a:t>
+            </a:r>
+            <a:r>
+              <a:rPr lang="zh-CN" altLang="en-US" dirty="0"/>
+              <a:t>：</a:t>
+            </a:r>
+            <a:r>
+              <a:rPr lang="en-US" altLang="zh-CN" dirty="0">
+                <a:hlinkClick r:id="rId6"/>
+              </a:rPr>
+              <a:t>https://pro-components.antdigital.dev/</a:t>
+            </a:r>
+            <a:endParaRPr lang="en-US" altLang="zh-CN" dirty="0"/>
+          </a:p>
+          <a:p>
+            <a:r>
+              <a:rPr lang="en-US" altLang="zh-CN" dirty="0"/>
+              <a:t>  b</a:t>
+            </a:r>
+            <a:r>
+              <a:rPr lang="zh-CN" altLang="en-US" dirty="0"/>
+              <a:t>站</a:t>
+            </a:r>
+            <a:r>
+              <a:rPr lang="en-US" altLang="zh-CN" dirty="0"/>
+              <a:t>react</a:t>
+            </a:r>
+            <a:r>
+              <a:rPr lang="zh-CN" altLang="en-US" dirty="0"/>
+              <a:t>视频：</a:t>
+            </a:r>
+            <a:r>
+              <a:rPr lang="en-US" altLang="zh-CN" dirty="0">
+                <a:hlinkClick r:id="rId7"/>
+              </a:rPr>
+              <a:t>https://www.bilibili.com/video/BV1wy4y1D7JT/?spm_id_from=333.337.search-card.all.click&amp;vd_source=4d5c061fec36da1e35ddbcf17f07f1ee</a:t>
+            </a:r>
+            <a:endParaRPr lang="en-US" altLang="zh-CN" dirty="0"/>
+          </a:p>
+          <a:p>
+            <a:endParaRPr lang="en-US" altLang="zh-CN" dirty="0"/>
+          </a:p>
+        </p:txBody>
+      </p:sp>
+    </p:spTree>
+    <p:extLst>
+      <p:ext uri="{BB962C8B-B14F-4D97-AF65-F5344CB8AC3E}">
+        <p14:creationId xmlns:p14="http://schemas.microsoft.com/office/powerpoint/2010/main" val="3408414575"/>
+      </p:ext>
+    </p:extLst>
+  </p:cSld>
+  <p:clrMapOvr>
+    <a:masterClrMapping/>
+  </p:clrMapOvr>
+</p:sld>
+</file>
+
+<file path=ppt/slides/slide35.xml><?xml version="1.0" encoding="utf-8"?>
+<p:sld xmlns:a="http://schemas.openxmlformats.org/drawingml/2006/main" xmlns:r="http://schemas.openxmlformats.org/officeDocument/2006/relationships" xmlns:p="http://schemas.openxmlformats.org/presentationml/2006/main">
+  <p:cSld>
+    <p:spTree>
+      <p:nvGrpSpPr>
+        <p:cNvPr id="1" name=""/>
+        <p:cNvGrpSpPr/>
+        <p:nvPr/>
+      </p:nvGrpSpPr>
+      <p:grpSpPr>
+        <a:xfrm>
+          <a:off x="0" y="0"/>
+          <a:ext cx="0" cy="0"/>
+          <a:chOff x="0" y="0"/>
+          <a:chExt cx="0" cy="0"/>
+        </a:xfrm>
+      </p:grpSpPr>
+      <p:sp>
+        <p:nvSpPr>
+          <p:cNvPr id="4" name="文本框 3"/>
+          <p:cNvSpPr txBox="1"/>
+          <p:nvPr/>
+        </p:nvSpPr>
+        <p:spPr>
+          <a:xfrm>
             <a:off x="1457178" y="2251392"/>
             <a:ext cx="1763624" cy="1862048"/>
           </a:xfrm>
@@ -11351,7 +13234,7 @@
 </p:sld>
 </file>
 
-<file path=ppt/slides/slide34.xml><?xml version="1.0" encoding="utf-8"?>
+<file path=ppt/slides/slide36.xml><?xml version="1.0" encoding="utf-8"?>
 <p:sld xmlns:a="http://schemas.openxmlformats.org/drawingml/2006/main" xmlns:r="http://schemas.openxmlformats.org/officeDocument/2006/relationships" xmlns:p="http://schemas.openxmlformats.org/presentationml/2006/main">
   <p:cSld>
     <p:spTree>

--- a/PPT内容-20240103.pptx
+++ b/PPT内容-20240103.pptx
@@ -14359,7 +14359,7 @@
         <p:spPr>
           <a:xfrm>
             <a:off x="515073" y="685165"/>
-            <a:ext cx="7552481" cy="4801314"/>
+            <a:ext cx="7552481" cy="646331"/>
           </a:xfrm>
           <a:prstGeom prst="rect">
             <a:avLst/>
@@ -14391,203 +14391,16 @@
             <a:endParaRPr lang="en-US" altLang="zh-CN" dirty="0"/>
           </a:p>
           <a:p>
-            <a:r>
-              <a:rPr lang="en-US" altLang="zh-CN" b="1" i="0" dirty="0">
-                <a:effectLst/>
-              </a:rPr>
-              <a:t>      </a:t>
-            </a:r>
-            <a:r>
-              <a:rPr lang="zh-CN" altLang="en-US" dirty="0"/>
-              <a:t>全局安装：</a:t>
-            </a:r>
-            <a:endParaRPr lang="en-US" altLang="zh-CN" dirty="0"/>
-          </a:p>
-          <a:p>
-            <a:r>
-              <a:rPr lang="en-US" altLang="zh-CN" dirty="0"/>
-              <a:t>	</a:t>
-            </a:r>
-          </a:p>
-          <a:p>
-            <a:endParaRPr lang="en-US" altLang="zh-CN" dirty="0"/>
-          </a:p>
-          <a:p>
-            <a:endParaRPr lang="en-US" altLang="zh-CN" dirty="0"/>
-          </a:p>
-          <a:p>
-            <a:endParaRPr lang="en-US" altLang="zh-CN" dirty="0"/>
-          </a:p>
-          <a:p>
-            <a:r>
-              <a:rPr lang="en-US" altLang="zh-CN" dirty="0"/>
-              <a:t>PS</a:t>
-            </a:r>
-            <a:r>
-              <a:rPr lang="zh-CN" altLang="en-US" dirty="0"/>
-              <a:t>：如遇全局安装失败，执行</a:t>
-            </a:r>
-            <a:r>
-              <a:rPr lang="en-US" altLang="zh-CN" dirty="0"/>
-              <a:t>`</a:t>
-            </a:r>
-            <a:r>
-              <a:rPr lang="en-US" altLang="zh-CN" dirty="0" err="1"/>
-              <a:t>npm</a:t>
-            </a:r>
-            <a:r>
-              <a:rPr lang="en-US" altLang="zh-CN" dirty="0"/>
-              <a:t> prefix -g`</a:t>
-            </a:r>
-            <a:r>
-              <a:rPr lang="zh-CN" altLang="en-US" dirty="0"/>
-              <a:t>检测 </a:t>
-            </a:r>
-            <a:r>
-              <a:rPr lang="en-US" altLang="zh-CN" dirty="0" err="1"/>
-              <a:t>npm</a:t>
-            </a:r>
-            <a:r>
-              <a:rPr lang="en-US" altLang="zh-CN" dirty="0"/>
-              <a:t> </a:t>
-            </a:r>
-            <a:r>
-              <a:rPr lang="zh-CN" altLang="en-US" dirty="0"/>
-              <a:t>的 </a:t>
-            </a:r>
-            <a:r>
-              <a:rPr lang="en-US" altLang="zh-CN" dirty="0"/>
-              <a:t>  </a:t>
-            </a:r>
-            <a:r>
-              <a:rPr lang="en-US" altLang="zh-CN" dirty="0" err="1"/>
-              <a:t>node_modules</a:t>
-            </a:r>
-            <a:r>
-              <a:rPr lang="en-US" altLang="zh-CN" dirty="0"/>
-              <a:t> </a:t>
-            </a:r>
-            <a:r>
-              <a:rPr lang="zh-CN" altLang="en-US" dirty="0"/>
-              <a:t>的 </a:t>
-            </a:r>
-            <a:r>
-              <a:rPr lang="en-US" altLang="zh-CN" dirty="0"/>
-              <a:t>bin </a:t>
-            </a:r>
-            <a:r>
-              <a:rPr lang="zh-CN" altLang="en-US" dirty="0"/>
-              <a:t>目录，将其 </a:t>
-            </a:r>
-            <a:r>
-              <a:rPr lang="en-US" altLang="zh-CN" dirty="0"/>
-              <a:t>bin </a:t>
-            </a:r>
-            <a:r>
-              <a:rPr lang="zh-CN" altLang="en-US" dirty="0"/>
-              <a:t>路径添加至系统环境电脑 </a:t>
-            </a:r>
-            <a:r>
-              <a:rPr lang="en-US" altLang="zh-CN" dirty="0"/>
-              <a:t>	path </a:t>
-            </a:r>
-            <a:r>
-              <a:rPr lang="zh-CN" altLang="en-US" dirty="0"/>
-              <a:t>中即可。</a:t>
-            </a:r>
-          </a:p>
-          <a:p>
-            <a:endParaRPr lang="en-US" altLang="zh-CN" dirty="0"/>
-          </a:p>
-          <a:p>
-            <a:r>
-              <a:rPr lang="en-US" altLang="zh-CN" dirty="0"/>
-              <a:t>    </a:t>
-            </a:r>
-            <a:r>
-              <a:rPr lang="zh-CN" altLang="en-US" dirty="0"/>
-              <a:t>临时安装：</a:t>
-            </a:r>
-            <a:endParaRPr lang="en-US" altLang="zh-CN" dirty="0"/>
-          </a:p>
-          <a:p>
-            <a:endParaRPr lang="en-US" altLang="zh-CN" dirty="0"/>
-          </a:p>
-          <a:p>
-            <a:endParaRPr lang="zh-CN" altLang="en-US" dirty="0"/>
-          </a:p>
-          <a:p>
-            <a:endParaRPr lang="en-US" altLang="zh-CN" dirty="0"/>
-          </a:p>
-          <a:p>
-            <a:r>
-              <a:rPr lang="en-US" altLang="zh-CN" dirty="0"/>
-              <a:t>PS</a:t>
-            </a:r>
-            <a:r>
-              <a:rPr lang="zh-CN" altLang="en-US" dirty="0"/>
-              <a:t>：</a:t>
-            </a:r>
-            <a:r>
-              <a:rPr lang="en-US" altLang="zh-CN" dirty="0"/>
-              <a:t>`</a:t>
-            </a:r>
-            <a:r>
-              <a:rPr lang="en-US" altLang="zh-CN" dirty="0" err="1"/>
-              <a:t>npx</a:t>
-            </a:r>
-            <a:r>
-              <a:rPr lang="en-US" altLang="zh-CN" dirty="0"/>
-              <a:t>`</a:t>
-            </a:r>
-            <a:r>
-              <a:rPr lang="zh-CN" altLang="en-US" dirty="0"/>
-              <a:t>可以避免全局模块安装，而直接执行 </a:t>
-            </a:r>
-            <a:r>
-              <a:rPr lang="en-US" altLang="zh-CN" dirty="0" err="1"/>
-              <a:t>npm</a:t>
-            </a:r>
-            <a:r>
-              <a:rPr lang="en-US" altLang="zh-CN" dirty="0"/>
-              <a:t> </a:t>
-            </a:r>
-            <a:r>
-              <a:rPr lang="zh-CN" altLang="en-US" dirty="0"/>
-              <a:t>的 </a:t>
-            </a:r>
-            <a:r>
-              <a:rPr lang="en-US" altLang="zh-CN" dirty="0" err="1"/>
-              <a:t>node_modules</a:t>
-            </a:r>
-            <a:r>
-              <a:rPr lang="en-US" altLang="zh-CN" dirty="0"/>
-              <a:t> </a:t>
-            </a:r>
-            <a:r>
-              <a:rPr lang="zh-CN" altLang="en-US" dirty="0"/>
-              <a:t>的 </a:t>
-            </a:r>
-            <a:r>
-              <a:rPr lang="en-US" altLang="zh-CN" dirty="0"/>
-              <a:t>bin </a:t>
-            </a:r>
-            <a:r>
-              <a:rPr lang="zh-CN" altLang="en-US" dirty="0"/>
-              <a:t>目录下的命令。</a:t>
-            </a:r>
-          </a:p>
-          <a:p>
             <a:endParaRPr lang="zh-CN" altLang="en-US" dirty="0"/>
           </a:p>
         </p:txBody>
       </p:sp>
       <p:pic>
         <p:nvPicPr>
-          <p:cNvPr id="6" name="图片 5">
+          <p:cNvPr id="5" name="图片 4">
             <a:extLst>
               <a:ext uri="{FF2B5EF4-FFF2-40B4-BE49-F238E27FC236}">
-                <a16:creationId xmlns:a16="http://schemas.microsoft.com/office/drawing/2014/main" id="{421331C9-8068-5BDB-7895-88A13C6D8501}"/>
+                <a16:creationId xmlns:a16="http://schemas.microsoft.com/office/drawing/2014/main" id="{1237DE23-9C3A-ACC5-5810-70F0C5649308}"/>
               </a:ext>
             </a:extLst>
           </p:cNvPr>
@@ -14604,38 +14417,8 @@
         </p:blipFill>
         <p:spPr>
           <a:xfrm>
-            <a:off x="916333" y="1446246"/>
-            <a:ext cx="4934204" cy="762039"/>
-          </a:xfrm>
-          <a:prstGeom prst="rect">
-            <a:avLst/>
-          </a:prstGeom>
-        </p:spPr>
-      </p:pic>
-      <p:pic>
-        <p:nvPicPr>
-          <p:cNvPr id="9" name="图片 8">
-            <a:extLst>
-              <a:ext uri="{FF2B5EF4-FFF2-40B4-BE49-F238E27FC236}">
-                <a16:creationId xmlns:a16="http://schemas.microsoft.com/office/drawing/2014/main" id="{E3DC787F-9746-B825-BB73-1AEE5BA371C2}"/>
-              </a:ext>
-            </a:extLst>
-          </p:cNvPr>
-          <p:cNvPicPr>
-            <a:picLocks noChangeAspect="1"/>
-          </p:cNvPicPr>
-          <p:nvPr/>
-        </p:nvPicPr>
-        <p:blipFill>
-          <a:blip r:embed="rId3"/>
-          <a:stretch>
-            <a:fillRect/>
-          </a:stretch>
-        </p:blipFill>
-        <p:spPr>
-          <a:xfrm>
-            <a:off x="842690" y="3917340"/>
-            <a:ext cx="4667490" cy="520727"/>
+            <a:off x="589004" y="1410314"/>
+            <a:ext cx="2724290" cy="469924"/>
           </a:xfrm>
           <a:prstGeom prst="rect">
             <a:avLst/>
